--- a/Day1/Ch02 Intro to Spark.pptx
+++ b/Day1/Ch02 Intro to Spark.pptx
@@ -294,7 +294,7 @@
                 <a:ea typeface="Tahoma" pitchFamily="34" charset="0"/>
                 <a:cs typeface="Tahoma" pitchFamily="34" charset="0"/>
               </a:rPr>
-              <a:t>449: Spark for Big Data Processing</a:t>
+              <a:t>Spark Program</a:t>
             </a:r>
           </a:p>
         </p:txBody>
@@ -353,7 +353,7 @@
                 <a:ea typeface="Tahoma" pitchFamily="34" charset="0"/>
                 <a:cs typeface="Tahoma" pitchFamily="34" charset="0"/>
               </a:rPr>
-              <a:t>Chapter 1</a:t>
+              <a:t>Chapter 2</a:t>
             </a:r>
           </a:p>
         </p:txBody>
@@ -743,7 +743,7 @@
                 </a:solidFill>
                 <a:latin typeface="Tahoma" pitchFamily="34" charset="0"/>
               </a:rPr>
-              <a:t>Chapter 1-</a:t>
+              <a:t>Chapter 2-</a:t>
             </a:r>
             <a:fld id="{9C58707A-6F60-4D20-8A8B-4F90B88EA4F7}" type="slidenum">
               <a:rPr lang="en-US" sz="1200" smtClean="0">
@@ -816,7 +816,7 @@
                 </a:solidFill>
                 <a:latin typeface="Tahoma" pitchFamily="34" charset="0"/>
               </a:rPr>
-              <a:t>449: Spark for Big Data Processing</a:t>
+              <a:t>Spark Program</a:t>
             </a:r>
           </a:p>
         </p:txBody>
@@ -7089,7 +7089,7 @@
                 </a:solidFill>
                 <a:latin typeface="Tahoma" charset="0"/>
               </a:rPr>
-              <a:t>© 2018</a:t>
+              <a:t>© 2019</a:t>
             </a:r>
             <a:r>
               <a:rPr lang="en-US" sz="700" b="0" baseline="0" dirty="0">
@@ -7335,45 +7335,49 @@
           </a:p>
         </p:txBody>
       </p:sp>
-      <p:pic>
-        <p:nvPicPr>
-          <p:cNvPr id="14" name="Picture 55">
+      <p:sp>
+        <p:nvSpPr>
+          <p:cNvPr id="12" name="TextBox 11">
             <a:extLst>
               <a:ext uri="{FF2B5EF4-FFF2-40B4-BE49-F238E27FC236}">
-                <a16:creationId xmlns:a16="http://schemas.microsoft.com/office/drawing/2014/main" id="{972BEEED-8F56-4745-9DC5-06BEF3FA6A5C}"/>
+                <a16:creationId xmlns:a16="http://schemas.microsoft.com/office/drawing/2014/main" id="{D606DF46-865A-4F0D-9888-4580557E96B8}"/>
               </a:ext>
             </a:extLst>
           </p:cNvPr>
-          <p:cNvPicPr>
-            <a:picLocks noChangeAspect="1" noChangeArrowheads="1"/>
-          </p:cNvPicPr>
+          <p:cNvSpPr txBox="1"/>
           <p:nvPr userDrawn="1"/>
-        </p:nvPicPr>
-        <p:blipFill>
-          <a:blip r:embed="rId20" cstate="print"/>
-          <a:srcRect/>
-          <a:stretch>
-            <a:fillRect/>
-          </a:stretch>
-        </p:blipFill>
-        <p:spPr bwMode="blackGray">
+        </p:nvSpPr>
+        <p:spPr>
           <a:xfrm>
-            <a:off x="916177" y="6563185"/>
-            <a:ext cx="870534" cy="188580"/>
+            <a:off x="0" y="6428509"/>
+            <a:ext cx="2821709" cy="429491"/>
           </a:xfrm>
           <a:prstGeom prst="rect">
             <a:avLst/>
           </a:prstGeom>
           <a:noFill/>
-          <a:ln w="9525">
-            <a:noFill/>
-            <a:miter lim="800000"/>
-            <a:headEnd/>
-            <a:tailEnd/>
-          </a:ln>
-          <a:effectLst/>
         </p:spPr>
-      </p:pic>
+        <p:txBody>
+          <a:bodyPr wrap="square" rtlCol="0" anchor="ctr" anchorCtr="0">
+            <a:noAutofit/>
+          </a:bodyPr>
+          <a:lstStyle/>
+          <a:p>
+            <a:pPr algn="ctr"/>
+            <a:r>
+              <a:rPr lang="en-US" sz="900" b="0" cap="none" baseline="0" dirty="0">
+                <a:solidFill>
+                  <a:schemeClr val="tx1"/>
+                </a:solidFill>
+                <a:latin typeface="Tahoma" panose="020B0604030504040204" pitchFamily="34" charset="0"/>
+                <a:ea typeface="Tahoma" panose="020B0604030504040204" pitchFamily="34" charset="0"/>
+                <a:cs typeface="Tahoma" panose="020B0604030504040204" pitchFamily="34" charset="0"/>
+              </a:rPr>
+              <a:t>Spark Program</a:t>
+            </a:r>
+          </a:p>
+        </p:txBody>
+      </p:sp>
     </p:spTree>
   </p:cSld>
   <p:clrMap bg1="lt1" tx1="dk1" bg2="lt2" tx2="dk2" accent1="accent1" accent2="accent2" accent3="accent3" accent4="accent4" accent5="accent5" accent6="accent6" hlink="hlink" folHlink="folHlink"/>
@@ -7595,7 +7599,7 @@
         <a:buSzPct val="100000"/>
         <a:buFont typeface="Arial" pitchFamily="34" charset="0"/>
         <a:buBlip>
-          <a:blip r:embed="rId21"/>
+          <a:blip r:embed="rId20"/>
         </a:buBlip>
         <a:defRPr b="0" i="0">
           <a:solidFill>
@@ -7640,7 +7644,7 @@
         </a:buClr>
         <a:buFont typeface="Wingdings" pitchFamily="2" charset="2"/>
         <a:buBlip>
-          <a:blip r:embed="rId22"/>
+          <a:blip r:embed="rId21"/>
         </a:buBlip>
         <a:defRPr sz="1800">
           <a:solidFill>
@@ -7686,7 +7690,7 @@
         <a:buSzPct val="100000"/>
         <a:buFont typeface="Arial" pitchFamily="34" charset="0"/>
         <a:buBlip>
-          <a:blip r:embed="rId23"/>
+          <a:blip r:embed="rId22"/>
         </a:buBlip>
         <a:defRPr sz="1800">
           <a:solidFill>
@@ -7710,7 +7714,7 @@
         <a:buSzPct val="100000"/>
         <a:buFont typeface="Tahoma" pitchFamily="34" charset="0"/>
         <a:buBlip>
-          <a:blip r:embed="rId23"/>
+          <a:blip r:embed="rId22"/>
         </a:buBlip>
         <a:defRPr sz="1400">
           <a:solidFill>
@@ -7733,7 +7737,7 @@
         <a:buSzPct val="100000"/>
         <a:buFont typeface="Tahoma" pitchFamily="34" charset="0"/>
         <a:buBlip>
-          <a:blip r:embed="rId23"/>
+          <a:blip r:embed="rId22"/>
         </a:buBlip>
         <a:defRPr sz="1400">
           <a:solidFill>
@@ -7756,7 +7760,7 @@
         <a:buSzPct val="100000"/>
         <a:buFont typeface="Tahoma" pitchFamily="34" charset="0"/>
         <a:buBlip>
-          <a:blip r:embed="rId23"/>
+          <a:blip r:embed="rId22"/>
         </a:buBlip>
         <a:defRPr sz="1400">
           <a:solidFill>
@@ -7779,7 +7783,7 @@
         <a:buSzPct val="100000"/>
         <a:buFont typeface="Tahoma" pitchFamily="34" charset="0"/>
         <a:buBlip>
-          <a:blip r:embed="rId23"/>
+          <a:blip r:embed="rId22"/>
         </a:buBlip>
         <a:defRPr sz="1400">
           <a:solidFill>
@@ -7974,7 +7978,7 @@
           <a:p>
             <a:r>
               <a:rPr lang="en-US" dirty="0"/>
-              <a:t>Spark</a:t>
+              <a:t>Spark Program</a:t>
             </a:r>
           </a:p>
         </p:txBody>
@@ -8579,7 +8583,7 @@
               <a:rPr lang="en-US" i="1" dirty="0">
                 <a:latin typeface="Century Schoolbook" panose="02040604050505020304" pitchFamily="18" charset="0"/>
               </a:rPr>
-              <a:t>Driver</a:t>
+              <a:t>driver</a:t>
             </a:r>
             <a:r>
               <a:rPr lang="en-US" dirty="0"/>
@@ -8589,14 +8593,14 @@
               <a:rPr lang="en-US" i="1" dirty="0">
                 <a:latin typeface="Century Schoolbook" panose="02040604050505020304" pitchFamily="18" charset="0"/>
               </a:rPr>
-              <a:t>Executors</a:t>
+              <a:t>executors</a:t>
             </a:r>
           </a:p>
           <a:p>
             <a:pPr lvl="1"/>
             <a:r>
               <a:rPr lang="en-US" dirty="0"/>
-              <a:t>Drivers and Executors run as Java processes </a:t>
+              <a:t>Drivers and executors run as Java processes </a:t>
             </a:r>
           </a:p>
           <a:p>
@@ -8609,18 +8613,18 @@
               <a:rPr lang="en-US" i="1" dirty="0">
                 <a:latin typeface="Century Schoolbook" panose="02040604050505020304" pitchFamily="18" charset="0"/>
               </a:rPr>
-              <a:t>Tasks</a:t>
-            </a:r>
-            <a:r>
-              <a:rPr lang="en-US" dirty="0"/>
-              <a:t> to the Executors</a:t>
+              <a:t>tasks</a:t>
+            </a:r>
+            <a:r>
+              <a:rPr lang="en-US" dirty="0"/>
+              <a:t> to the executors</a:t>
             </a:r>
           </a:p>
           <a:p>
             <a:pPr lvl="1"/>
             <a:r>
               <a:rPr lang="en-US" dirty="0"/>
-              <a:t>Executors run Tasks on </a:t>
+              <a:t>Executors run tasks on </a:t>
             </a:r>
             <a:r>
               <a:rPr lang="en-US" i="1" dirty="0">
@@ -8657,7 +8661,7 @@
             <a:pPr lvl="1"/>
             <a:r>
               <a:rPr lang="en-US" dirty="0"/>
-              <a:t>Executors send results to the Driver</a:t>
+              <a:t>Executors send results to the driver</a:t>
             </a:r>
           </a:p>
           <a:p>
@@ -8849,11 +8853,11 @@
               <a:rPr lang="en-US" i="1" dirty="0">
                 <a:latin typeface="Century Schoolbook" panose="02040604050505020304" pitchFamily="18" charset="0"/>
               </a:rPr>
-              <a:t>Partitions</a:t>
-            </a:r>
-            <a:r>
-              <a:rPr lang="en-US" dirty="0"/>
-              <a:t> and can be distributed to any Executor</a:t>
+              <a:t>partitions</a:t>
+            </a:r>
+            <a:r>
+              <a:rPr lang="en-US" dirty="0"/>
+              <a:t> and can be distributed to any executor</a:t>
             </a:r>
           </a:p>
           <a:p>
@@ -8922,7 +8926,7 @@
             <a:pPr lvl="2"/>
             <a:r>
               <a:rPr lang="en-US" dirty="0"/>
-              <a:t>Return results to the Driver</a:t>
+              <a:t>Return results to the driver</a:t>
             </a:r>
           </a:p>
           <a:p>
@@ -9105,11 +9109,11 @@
               <a:rPr lang="en-US" i="1" dirty="0">
                 <a:latin typeface="Century Schoolbook" panose="02040604050505020304" pitchFamily="18" charset="0"/>
               </a:rPr>
-              <a:t>Tasks</a:t>
-            </a:r>
-            <a:r>
-              <a:rPr lang="en-US" dirty="0"/>
-              <a:t> are at very low level of abstraction</a:t>
+              <a:t>tasks</a:t>
+            </a:r>
+            <a:r>
+              <a:rPr lang="en-US" dirty="0"/>
+              <a:t> are at a very low level of abstraction</a:t>
             </a:r>
           </a:p>
           <a:p>
@@ -9217,7 +9221,7 @@
             <a:pPr lvl="1"/>
             <a:r>
               <a:rPr lang="en-US" dirty="0"/>
-              <a:t>Maintaining information about the Spark Application</a:t>
+              <a:t>Maintaining information about the Spark application</a:t>
             </a:r>
           </a:p>
           <a:p>
@@ -9630,7 +9634,7 @@
           <a:p>
             <a:r>
               <a:rPr lang="en-US" sz="1800" dirty="0"/>
-              <a:t>The cluster manager controls physical machines and allocates resources to Spark Applications</a:t>
+              <a:t>The cluster manager controls physical machines and allocates resources to Spark applications</a:t>
             </a:r>
           </a:p>
           <a:p>
@@ -9642,7 +9646,7 @@
           <a:p>
             <a:r>
               <a:rPr lang="en-US" sz="1800" dirty="0"/>
-              <a:t>This means that there can be multiple Spark Applications running on a cluster at the same time		</a:t>
+              <a:t>This means that there can be multiple Spark applications running on a cluster at the same time		</a:t>
             </a:r>
           </a:p>
           <a:p>
@@ -9706,13 +9710,8 @@
           <a:p>
             <a:r>
               <a:rPr lang="en-US" dirty="0"/>
-              <a:t>Start </a:t>
-            </a:r>
-            <a:r>
-              <a:rPr lang="en-US" dirty="0" err="1"/>
-              <a:t>PySpark</a:t>
-            </a:r>
-            <a:endParaRPr lang="en-US" dirty="0"/>
+              <a:t>Start PySpark</a:t>
+            </a:r>
           </a:p>
         </p:txBody>
       </p:sp>
@@ -9738,22 +9737,14 @@
           <a:p>
             <a:r>
               <a:rPr lang="en-US" dirty="0"/>
-              <a:t>To start </a:t>
-            </a:r>
-            <a:r>
-              <a:rPr lang="en-US" dirty="0" err="1"/>
-              <a:t>PySpark</a:t>
-            </a:r>
-            <a:r>
-              <a:rPr lang="en-US" dirty="0"/>
-              <a:t> on the VM</a:t>
+              <a:t>To start PySpark on the VM:</a:t>
             </a:r>
           </a:p>
           <a:p>
             <a:pPr lvl="1"/>
             <a:r>
               <a:rPr lang="en-US" dirty="0"/>
-              <a:t>open a terminal window and type the following commands:</a:t>
+              <a:t>Open a terminal window and type the following commands:</a:t>
             </a:r>
           </a:p>
           <a:p>
@@ -9773,18 +9764,11 @@
               <a:buNone/>
             </a:pPr>
             <a:r>
-              <a:rPr lang="en-US" dirty="0" err="1">
-                <a:latin typeface="Courier New" panose="02070309020205020404" pitchFamily="49" charset="0"/>
-                <a:cs typeface="Courier New" panose="02070309020205020404" pitchFamily="49" charset="0"/>
-              </a:rPr>
-              <a:t>pyspark</a:t>
-            </a:r>
-            <a:r>
               <a:rPr lang="en-US" dirty="0">
                 <a:latin typeface="Courier New" panose="02070309020205020404" pitchFamily="49" charset="0"/>
                 <a:cs typeface="Courier New" panose="02070309020205020404" pitchFamily="49" charset="0"/>
               </a:rPr>
-              <a:t> </a:t>
+              <a:t>pyspark </a:t>
             </a:r>
           </a:p>
           <a:p>
@@ -9792,16 +9776,12 @@
               <a:buNone/>
             </a:pPr>
             <a:r>
-              <a:rPr lang="en-US" dirty="0" err="1">
+              <a:rPr lang="en-US" dirty="0">
                 <a:latin typeface="Courier New" panose="02070309020205020404" pitchFamily="49" charset="0"/>
                 <a:cs typeface="Courier New" panose="02070309020205020404" pitchFamily="49" charset="0"/>
               </a:rPr>
               <a:t>sc</a:t>
             </a:r>
-            <a:endParaRPr lang="en-US" dirty="0">
-              <a:latin typeface="Courier New" panose="02070309020205020404" pitchFamily="49" charset="0"/>
-              <a:cs typeface="Courier New" panose="02070309020205020404" pitchFamily="49" charset="0"/>
-            </a:endParaRPr>
           </a:p>
           <a:p>
             <a:pPr marL="457200" lvl="2" indent="0">
@@ -9824,103 +9804,73 @@
                 <a:latin typeface="Courier New" panose="02070309020205020404" pitchFamily="49" charset="0"/>
                 <a:cs typeface="Courier New" panose="02070309020205020404" pitchFamily="49" charset="0"/>
               </a:rPr>
-              <a:t>x = </a:t>
-            </a:r>
-            <a:r>
-              <a:rPr lang="en-US" dirty="0" err="1">
-                <a:latin typeface="Courier New" panose="02070309020205020404" pitchFamily="49" charset="0"/>
-                <a:cs typeface="Courier New" panose="02070309020205020404" pitchFamily="49" charset="0"/>
-              </a:rPr>
-              <a:t>sc.textFile</a:t>
-            </a:r>
+              <a:t>x = sc.textFile('datasets/text/shakespeare.txt')</a:t>
+            </a:r>
+          </a:p>
+          <a:p>
+            <a:pPr marL="457200" lvl="2" indent="0">
+              <a:buNone/>
+            </a:pPr>
             <a:r>
               <a:rPr lang="en-US" dirty="0">
                 <a:latin typeface="Courier New" panose="02070309020205020404" pitchFamily="49" charset="0"/>
                 <a:cs typeface="Courier New" panose="02070309020205020404" pitchFamily="49" charset="0"/>
               </a:rPr>
-              <a:t>('datasets/text/</a:t>
-            </a:r>
-            <a:r>
-              <a:rPr lang="en-US" dirty="0" err="1">
-                <a:latin typeface="Courier New" panose="02070309020205020404" pitchFamily="49" charset="0"/>
-                <a:cs typeface="Courier New" panose="02070309020205020404" pitchFamily="49" charset="0"/>
-              </a:rPr>
-              <a:t>shakespeare.txt</a:t>
-            </a:r>
+              <a:t>x.count()</a:t>
+            </a:r>
+          </a:p>
+          <a:p>
+            <a:pPr marL="457200" lvl="2" indent="0">
+              <a:buNone/>
+            </a:pPr>
             <a:r>
               <a:rPr lang="en-US" dirty="0">
                 <a:latin typeface="Courier New" panose="02070309020205020404" pitchFamily="49" charset="0"/>
                 <a:cs typeface="Courier New" panose="02070309020205020404" pitchFamily="49" charset="0"/>
               </a:rPr>
-              <a:t>')</a:t>
-            </a:r>
-          </a:p>
-          <a:p>
-            <a:pPr marL="457200" lvl="2" indent="0">
+              <a:t>x.take(10)</a:t>
+            </a:r>
+            <a:endParaRPr lang="en-US" dirty="0"/>
+          </a:p>
+          <a:p>
+            <a:r>
+              <a:rPr lang="en-US" dirty="0"/>
+              <a:t>To write a Python program from scratch you have to initialize sc and Spark manually</a:t>
+            </a:r>
+          </a:p>
+          <a:p>
+            <a:pPr lvl="1"/>
+            <a:r>
+              <a:rPr lang="en-US" dirty="0"/>
+              <a:t>initspark.py is a helper module you can copy and use in your own scripts</a:t>
+            </a:r>
+          </a:p>
+          <a:p>
+            <a:pPr marL="461963" lvl="1" indent="0">
               <a:buNone/>
             </a:pPr>
-            <a:r>
-              <a:rPr lang="en-US" dirty="0" err="1">
-                <a:latin typeface="Courier New" panose="02070309020205020404" pitchFamily="49" charset="0"/>
-                <a:cs typeface="Courier New" panose="02070309020205020404" pitchFamily="49" charset="0"/>
-              </a:rPr>
-              <a:t>x.count</a:t>
-            </a:r>
             <a:r>
               <a:rPr lang="en-US" dirty="0">
                 <a:latin typeface="Courier New" panose="02070309020205020404" pitchFamily="49" charset="0"/>
                 <a:cs typeface="Courier New" panose="02070309020205020404" pitchFamily="49" charset="0"/>
               </a:rPr>
-              <a:t>()</a:t>
-            </a:r>
-          </a:p>
-          <a:p>
-            <a:pPr marL="457200" lvl="2" indent="0">
+              <a:t>from initspark import *</a:t>
+            </a:r>
+          </a:p>
+          <a:p>
+            <a:pPr marL="461963" lvl="1" indent="0">
               <a:buNone/>
             </a:pPr>
-            <a:r>
-              <a:rPr lang="en-US" dirty="0" err="1">
-                <a:latin typeface="Courier New" panose="02070309020205020404" pitchFamily="49" charset="0"/>
-                <a:cs typeface="Courier New" panose="02070309020205020404" pitchFamily="49" charset="0"/>
-              </a:rPr>
-              <a:t>x.take</a:t>
-            </a:r>
             <a:r>
               <a:rPr lang="en-US" dirty="0">
                 <a:latin typeface="Courier New" panose="02070309020205020404" pitchFamily="49" charset="0"/>
                 <a:cs typeface="Courier New" panose="02070309020205020404" pitchFamily="49" charset="0"/>
               </a:rPr>
-              <a:t>(10)</a:t>
-            </a:r>
-            <a:endParaRPr lang="en-US" dirty="0"/>
-          </a:p>
-          <a:p>
-            <a:r>
-              <a:rPr lang="en-US" dirty="0"/>
-              <a:t>To write a python program from scratch you have to initialize </a:t>
-            </a:r>
-            <a:r>
-              <a:rPr lang="en-US" dirty="0" err="1"/>
-              <a:t>sc</a:t>
-            </a:r>
-            <a:r>
-              <a:rPr lang="en-US" dirty="0"/>
-              <a:t> and spark manually.</a:t>
-            </a:r>
-          </a:p>
-          <a:p>
-            <a:pPr lvl="1"/>
-            <a:r>
-              <a:rPr lang="en-US" dirty="0" err="1"/>
-              <a:t>initspark.py</a:t>
-            </a:r>
-            <a:r>
-              <a:rPr lang="en-US" dirty="0"/>
-              <a:t> is a helper module you can copy and use in your own scripts</a:t>
-            </a:r>
-          </a:p>
-          <a:p>
-            <a:pPr marL="461963" lvl="1" indent="0">
+              <a:t>sc, spark, conf = initspark()</a:t>
+            </a:r>
+          </a:p>
+          <a:p>
+            <a:pPr marL="457200" lvl="2" indent="0">
               <a:buNone/>
             </a:pPr>
             <a:r>
@@ -9928,199 +9878,7 @@
                 <a:latin typeface="Courier New" panose="02070309020205020404" pitchFamily="49" charset="0"/>
                 <a:cs typeface="Courier New" panose="02070309020205020404" pitchFamily="49" charset="0"/>
               </a:rPr>
-              <a:t>from </a:t>
-            </a:r>
-            <a:r>
-              <a:rPr lang="en-US" dirty="0" err="1">
-                <a:latin typeface="Courier New" panose="02070309020205020404" pitchFamily="49" charset="0"/>
-                <a:cs typeface="Courier New" panose="02070309020205020404" pitchFamily="49" charset="0"/>
-              </a:rPr>
-              <a:t>initspark</a:t>
-            </a:r>
-            <a:r>
-              <a:rPr lang="en-US" dirty="0">
-                <a:latin typeface="Courier New" panose="02070309020205020404" pitchFamily="49" charset="0"/>
-                <a:cs typeface="Courier New" panose="02070309020205020404" pitchFamily="49" charset="0"/>
-              </a:rPr>
-              <a:t> import *</a:t>
-            </a:r>
-          </a:p>
-          <a:p>
-            <a:pPr marL="461963" lvl="1" indent="0">
-              <a:buNone/>
-            </a:pPr>
-            <a:r>
-              <a:rPr lang="en-US" dirty="0" err="1">
-                <a:latin typeface="Courier New" panose="02070309020205020404" pitchFamily="49" charset="0"/>
-                <a:cs typeface="Courier New" panose="02070309020205020404" pitchFamily="49" charset="0"/>
-              </a:rPr>
-              <a:t>sc</a:t>
-            </a:r>
-            <a:r>
-              <a:rPr lang="en-US" dirty="0">
-                <a:latin typeface="Courier New" panose="02070309020205020404" pitchFamily="49" charset="0"/>
-                <a:cs typeface="Courier New" panose="02070309020205020404" pitchFamily="49" charset="0"/>
-              </a:rPr>
-              <a:t>, spark, </a:t>
-            </a:r>
-            <a:r>
-              <a:rPr lang="en-US" dirty="0" err="1">
-                <a:latin typeface="Courier New" panose="02070309020205020404" pitchFamily="49" charset="0"/>
-                <a:cs typeface="Courier New" panose="02070309020205020404" pitchFamily="49" charset="0"/>
-              </a:rPr>
-              <a:t>conf</a:t>
-            </a:r>
-            <a:r>
-              <a:rPr lang="en-US" dirty="0">
-                <a:latin typeface="Courier New" panose="02070309020205020404" pitchFamily="49" charset="0"/>
-                <a:cs typeface="Courier New" panose="02070309020205020404" pitchFamily="49" charset="0"/>
-              </a:rPr>
-              <a:t> = </a:t>
-            </a:r>
-            <a:r>
-              <a:rPr lang="en-US" dirty="0" err="1">
-                <a:latin typeface="Courier New" panose="02070309020205020404" pitchFamily="49" charset="0"/>
-                <a:cs typeface="Courier New" panose="02070309020205020404" pitchFamily="49" charset="0"/>
-              </a:rPr>
-              <a:t>initspark</a:t>
-            </a:r>
-            <a:r>
-              <a:rPr lang="en-US" dirty="0">
-                <a:latin typeface="Courier New" panose="02070309020205020404" pitchFamily="49" charset="0"/>
-                <a:cs typeface="Courier New" panose="02070309020205020404" pitchFamily="49" charset="0"/>
-              </a:rPr>
-              <a:t>()</a:t>
-            </a:r>
-          </a:p>
-          <a:p>
-            <a:pPr marL="457200" lvl="2" indent="0">
-              <a:buNone/>
-            </a:pPr>
-            <a:r>
-              <a:rPr lang="en-US" dirty="0" err="1">
-                <a:latin typeface="Courier New" panose="02070309020205020404" pitchFamily="49" charset="0"/>
-                <a:cs typeface="Courier New" panose="02070309020205020404" pitchFamily="49" charset="0"/>
-              </a:rPr>
-              <a:t>sc</a:t>
-            </a:r>
-            <a:r>
-              <a:rPr lang="en-US" dirty="0">
-                <a:latin typeface="Courier New" panose="02070309020205020404" pitchFamily="49" charset="0"/>
-                <a:cs typeface="Courier New" panose="02070309020205020404" pitchFamily="49" charset="0"/>
-              </a:rPr>
-              <a:t>, spark, </a:t>
-            </a:r>
-            <a:r>
-              <a:rPr lang="en-US" dirty="0" err="1">
-                <a:latin typeface="Courier New" panose="02070309020205020404" pitchFamily="49" charset="0"/>
-                <a:cs typeface="Courier New" panose="02070309020205020404" pitchFamily="49" charset="0"/>
-              </a:rPr>
-              <a:t>conf</a:t>
-            </a:r>
-            <a:r>
-              <a:rPr lang="en-US" dirty="0">
-                <a:latin typeface="Courier New" panose="02070309020205020404" pitchFamily="49" charset="0"/>
-                <a:cs typeface="Courier New" panose="02070309020205020404" pitchFamily="49" charset="0"/>
-              </a:rPr>
-              <a:t> = </a:t>
-            </a:r>
-            <a:r>
-              <a:rPr lang="en-US" dirty="0" err="1">
-                <a:latin typeface="Courier New" panose="02070309020205020404" pitchFamily="49" charset="0"/>
-                <a:cs typeface="Courier New" panose="02070309020205020404" pitchFamily="49" charset="0"/>
-              </a:rPr>
-              <a:t>initspark</a:t>
-            </a:r>
-            <a:r>
-              <a:rPr lang="en-US" dirty="0">
-                <a:latin typeface="Courier New" panose="02070309020205020404" pitchFamily="49" charset="0"/>
-                <a:cs typeface="Courier New" panose="02070309020205020404" pitchFamily="49" charset="0"/>
-              </a:rPr>
-              <a:t>(</a:t>
-            </a:r>
-            <a:r>
-              <a:rPr lang="en-US" dirty="0" err="1">
-                <a:latin typeface="Courier New" panose="02070309020205020404" pitchFamily="49" charset="0"/>
-                <a:cs typeface="Courier New" panose="02070309020205020404" pitchFamily="49" charset="0"/>
-              </a:rPr>
-              <a:t>appname</a:t>
-            </a:r>
-            <a:r>
-              <a:rPr lang="en-US" dirty="0">
-                <a:latin typeface="Courier New" panose="02070309020205020404" pitchFamily="49" charset="0"/>
-                <a:cs typeface="Courier New" panose="02070309020205020404" pitchFamily="49" charset="0"/>
-              </a:rPr>
-              <a:t> = '</a:t>
-            </a:r>
-            <a:r>
-              <a:rPr lang="en-US" dirty="0" err="1">
-                <a:latin typeface="Courier New" panose="02070309020205020404" pitchFamily="49" charset="0"/>
-                <a:cs typeface="Courier New" panose="02070309020205020404" pitchFamily="49" charset="0"/>
-              </a:rPr>
-              <a:t>appname</a:t>
-            </a:r>
-            <a:r>
-              <a:rPr lang="en-US" dirty="0">
-                <a:latin typeface="Courier New" panose="02070309020205020404" pitchFamily="49" charset="0"/>
-                <a:cs typeface="Courier New" panose="02070309020205020404" pitchFamily="49" charset="0"/>
-              </a:rPr>
-              <a:t>', </a:t>
-            </a:r>
-            <a:r>
-              <a:rPr lang="en-US" dirty="0" err="1">
-                <a:latin typeface="Courier New" panose="02070309020205020404" pitchFamily="49" charset="0"/>
-                <a:cs typeface="Courier New" panose="02070309020205020404" pitchFamily="49" charset="0"/>
-              </a:rPr>
-              <a:t>servername</a:t>
-            </a:r>
-            <a:r>
-              <a:rPr lang="en-US" dirty="0">
-                <a:latin typeface="Courier New" panose="02070309020205020404" pitchFamily="49" charset="0"/>
-                <a:cs typeface="Courier New" panose="02070309020205020404" pitchFamily="49" charset="0"/>
-              </a:rPr>
-              <a:t> = '</a:t>
-            </a:r>
-            <a:r>
-              <a:rPr lang="en-US" dirty="0" err="1">
-                <a:latin typeface="Courier New" panose="02070309020205020404" pitchFamily="49" charset="0"/>
-                <a:cs typeface="Courier New" panose="02070309020205020404" pitchFamily="49" charset="0"/>
-              </a:rPr>
-              <a:t>sparkservername</a:t>
-            </a:r>
-            <a:r>
-              <a:rPr lang="en-US" dirty="0">
-                <a:latin typeface="Courier New" panose="02070309020205020404" pitchFamily="49" charset="0"/>
-                <a:cs typeface="Courier New" panose="02070309020205020404" pitchFamily="49" charset="0"/>
-              </a:rPr>
-              <a:t>', </a:t>
-            </a:r>
-            <a:r>
-              <a:rPr lang="en-US" dirty="0" err="1">
-                <a:latin typeface="Courier New" panose="02070309020205020404" pitchFamily="49" charset="0"/>
-                <a:cs typeface="Courier New" panose="02070309020205020404" pitchFamily="49" charset="0"/>
-              </a:rPr>
-              <a:t>cassandra</a:t>
-            </a:r>
-            <a:r>
-              <a:rPr lang="en-US" dirty="0">
-                <a:latin typeface="Courier New" panose="02070309020205020404" pitchFamily="49" charset="0"/>
-                <a:cs typeface="Courier New" panose="02070309020205020404" pitchFamily="49" charset="0"/>
-              </a:rPr>
-              <a:t> = '</a:t>
-            </a:r>
-            <a:r>
-              <a:rPr lang="en-US" dirty="0" err="1">
-                <a:latin typeface="Courier New" panose="02070309020205020404" pitchFamily="49" charset="0"/>
-                <a:cs typeface="Courier New" panose="02070309020205020404" pitchFamily="49" charset="0"/>
-              </a:rPr>
-              <a:t>cassandra</a:t>
-            </a:r>
-            <a:r>
-              <a:rPr lang="en-US" dirty="0">
-                <a:latin typeface="Courier New" panose="02070309020205020404" pitchFamily="49" charset="0"/>
-                <a:cs typeface="Courier New" panose="02070309020205020404" pitchFamily="49" charset="0"/>
-              </a:rPr>
-              <a:t>)</a:t>
+              <a:t>sc, spark, conf = initspark(appname = 'appname', servername = 'sparkservername', cassandra = 'cassandra)</a:t>
             </a:r>
           </a:p>
           <a:p>
@@ -10207,7 +9965,7 @@
         </p:nvSpPr>
         <p:spPr>
           <a:xfrm>
-            <a:off x="392912" y="917557"/>
+            <a:off x="392912" y="1074315"/>
             <a:ext cx="8318488" cy="4986911"/>
           </a:xfrm>
         </p:spPr>
@@ -10217,15 +9975,7 @@
           <a:p>
             <a:r>
               <a:rPr lang="en-US" dirty="0"/>
-              <a:t>The </a:t>
-            </a:r>
-            <a:r>
-              <a:rPr lang="en-US" dirty="0" err="1"/>
-              <a:t>sc</a:t>
-            </a:r>
-            <a:r>
-              <a:rPr lang="en-US" dirty="0"/>
-              <a:t> object is the spark context and allows you to call methods to load and manipulate data</a:t>
+              <a:t>The sc object is the Spark context and allows you to call methods to load and manipulate data</a:t>
             </a:r>
           </a:p>
           <a:p>
@@ -10237,21 +9987,7 @@
                 <a:latin typeface="Courier New" panose="02070309020205020404" pitchFamily="49" charset="0"/>
                 <a:cs typeface="Courier New" panose="02070309020205020404" pitchFamily="49" charset="0"/>
               </a:rPr>
-              <a:t>  x = </a:t>
-            </a:r>
-            <a:r>
-              <a:rPr lang="en-US" dirty="0" err="1">
-                <a:latin typeface="Courier New" panose="02070309020205020404" pitchFamily="49" charset="0"/>
-                <a:cs typeface="Courier New" panose="02070309020205020404" pitchFamily="49" charset="0"/>
-              </a:rPr>
-              <a:t>sc.parallelize</a:t>
-            </a:r>
-            <a:r>
-              <a:rPr lang="en-US" dirty="0">
-                <a:latin typeface="Courier New" panose="02070309020205020404" pitchFamily="49" charset="0"/>
-                <a:cs typeface="Courier New" panose="02070309020205020404" pitchFamily="49" charset="0"/>
-              </a:rPr>
-              <a:t>(range(1, 11))</a:t>
+              <a:t>  x = sc.parallelize(range(1, 11))</a:t>
             </a:r>
             <a:br>
               <a:rPr lang="en-US" dirty="0">
@@ -10264,21 +10000,7 @@
                 <a:latin typeface="Courier New" panose="02070309020205020404" pitchFamily="49" charset="0"/>
                 <a:cs typeface="Courier New" panose="02070309020205020404" pitchFamily="49" charset="0"/>
               </a:rPr>
-              <a:t>  </a:t>
-            </a:r>
-            <a:r>
-              <a:rPr lang="en-US" dirty="0" err="1">
-                <a:latin typeface="Courier New" panose="02070309020205020404" pitchFamily="49" charset="0"/>
-                <a:cs typeface="Courier New" panose="02070309020205020404" pitchFamily="49" charset="0"/>
-              </a:rPr>
-              <a:t>x.collect</a:t>
-            </a:r>
-            <a:r>
-              <a:rPr lang="en-US" dirty="0">
-                <a:latin typeface="Courier New" panose="02070309020205020404" pitchFamily="49" charset="0"/>
-                <a:cs typeface="Courier New" panose="02070309020205020404" pitchFamily="49" charset="0"/>
-              </a:rPr>
-              <a:t>()</a:t>
+              <a:t>  x.collect()</a:t>
             </a:r>
             <a:br>
               <a:rPr lang="en-US" dirty="0">
@@ -10291,21 +10013,7 @@
                 <a:latin typeface="Courier New" panose="02070309020205020404" pitchFamily="49" charset="0"/>
                 <a:cs typeface="Courier New" panose="02070309020205020404" pitchFamily="49" charset="0"/>
               </a:rPr>
-              <a:t>  </a:t>
-            </a:r>
-            <a:r>
-              <a:rPr lang="en-US" dirty="0" err="1">
-                <a:latin typeface="Courier New" panose="02070309020205020404" pitchFamily="49" charset="0"/>
-                <a:cs typeface="Courier New" panose="02070309020205020404" pitchFamily="49" charset="0"/>
-              </a:rPr>
-              <a:t>x.take</a:t>
-            </a:r>
-            <a:r>
-              <a:rPr lang="en-US" dirty="0">
-                <a:latin typeface="Courier New" panose="02070309020205020404" pitchFamily="49" charset="0"/>
-                <a:cs typeface="Courier New" panose="02070309020205020404" pitchFamily="49" charset="0"/>
-              </a:rPr>
-              <a:t>(5)</a:t>
+              <a:t>  x.take(5)</a:t>
             </a:r>
             <a:br>
               <a:rPr lang="en-US" dirty="0">
@@ -10318,35 +10026,7 @@
                 <a:latin typeface="Courier New" panose="02070309020205020404" pitchFamily="49" charset="0"/>
                 <a:cs typeface="Courier New" panose="02070309020205020404" pitchFamily="49" charset="0"/>
               </a:rPr>
-              <a:t>  </a:t>
-            </a:r>
-            <a:r>
-              <a:rPr lang="en-US" dirty="0" err="1">
-                <a:latin typeface="Courier New" panose="02070309020205020404" pitchFamily="49" charset="0"/>
-                <a:cs typeface="Courier New" panose="02070309020205020404" pitchFamily="49" charset="0"/>
-              </a:rPr>
-              <a:t>sc.textFile</a:t>
-            </a:r>
-            <a:r>
-              <a:rPr lang="en-US" dirty="0">
-                <a:latin typeface="Courier New" panose="02070309020205020404" pitchFamily="49" charset="0"/>
-                <a:cs typeface="Courier New" panose="02070309020205020404" pitchFamily="49" charset="0"/>
-              </a:rPr>
-              <a:t>('</a:t>
-            </a:r>
-            <a:r>
-              <a:rPr lang="en-US" dirty="0" err="1">
-                <a:latin typeface="Courier New" panose="02070309020205020404" pitchFamily="49" charset="0"/>
-                <a:cs typeface="Courier New" panose="02070309020205020404" pitchFamily="49" charset="0"/>
-              </a:rPr>
-              <a:t>hdfs</a:t>
-            </a:r>
-            <a:r>
-              <a:rPr lang="en-US" dirty="0">
-                <a:latin typeface="Courier New" panose="02070309020205020404" pitchFamily="49" charset="0"/>
-                <a:cs typeface="Courier New" panose="02070309020205020404" pitchFamily="49" charset="0"/>
-              </a:rPr>
-              <a:t>://localhost:9000/categories').collect()</a:t>
+              <a:t>  sc.textFile('hdfs://localhost:9000/categories').collect()</a:t>
             </a:r>
             <a:br>
               <a:rPr lang="en-US" dirty="0">
@@ -10359,186 +10039,59 @@
                 <a:latin typeface="Courier New" panose="02070309020205020404" pitchFamily="49" charset="0"/>
                 <a:cs typeface="Courier New" panose="02070309020205020404" pitchFamily="49" charset="0"/>
               </a:rPr>
-              <a:t>  </a:t>
-            </a:r>
-            <a:r>
-              <a:rPr lang="en-US" dirty="0" err="1">
-                <a:latin typeface="Courier New" panose="02070309020205020404" pitchFamily="49" charset="0"/>
-                <a:cs typeface="Courier New" panose="02070309020205020404" pitchFamily="49" charset="0"/>
-              </a:rPr>
-              <a:t>sc.textFile</a:t>
-            </a:r>
+              <a:t>  sc.textFile('hdfsPath('categories').collect()</a:t>
+            </a:r>
+          </a:p>
+          <a:p>
+            <a:r>
+              <a:rPr lang="en-US" dirty="0"/>
+              <a:t>Load a local file</a:t>
+            </a:r>
+            <a:br>
+              <a:rPr lang="en-US" dirty="0"/>
+            </a:br>
             <a:r>
               <a:rPr lang="en-US" dirty="0">
                 <a:latin typeface="Courier New" panose="02070309020205020404" pitchFamily="49" charset="0"/>
                 <a:cs typeface="Courier New" panose="02070309020205020404" pitchFamily="49" charset="0"/>
               </a:rPr>
-              <a:t>('</a:t>
-            </a:r>
-            <a:r>
-              <a:rPr lang="en-US" dirty="0" err="1">
-                <a:latin typeface="Courier New" panose="02070309020205020404" pitchFamily="49" charset="0"/>
-                <a:cs typeface="Courier New" panose="02070309020205020404" pitchFamily="49" charset="0"/>
-              </a:rPr>
-              <a:t>hdfsPath</a:t>
-            </a:r>
+              <a:t>sc.textFile('file:///home/student/ROI/datasets/northwind/CSV/categories/categories.csv')</a:t>
+            </a:r>
+          </a:p>
+          <a:p>
+            <a:r>
+              <a:rPr lang="en-US" dirty="0"/>
+              <a:t>Load a local folder</a:t>
+            </a:r>
+          </a:p>
+          <a:p>
+            <a:pPr marL="228600" lvl="1" indent="0">
+              <a:buNone/>
+            </a:pPr>
             <a:r>
               <a:rPr lang="en-US" dirty="0">
                 <a:latin typeface="Courier New" panose="02070309020205020404" pitchFamily="49" charset="0"/>
                 <a:cs typeface="Courier New" panose="02070309020205020404" pitchFamily="49" charset="0"/>
               </a:rPr>
-              <a:t>('categories').collect()</a:t>
-            </a:r>
-          </a:p>
-          <a:p>
-            <a:r>
-              <a:rPr lang="en-US" dirty="0"/>
-              <a:t>Load  a local file</a:t>
-            </a:r>
-            <a:br>
-              <a:rPr lang="en-US" dirty="0"/>
-            </a:br>
-            <a:r>
-              <a:rPr lang="en-US" dirty="0" err="1">
-                <a:latin typeface="Courier New" panose="02070309020205020404" pitchFamily="49" charset="0"/>
-                <a:cs typeface="Courier New" panose="02070309020205020404" pitchFamily="49" charset="0"/>
-              </a:rPr>
-              <a:t>sc.textFile</a:t>
-            </a:r>
+              <a:t>sc.textFile('file:///home/student/ROI/datasets/northwind/CSV/categories/categories.csv')</a:t>
+            </a:r>
+          </a:p>
+          <a:p>
+            <a:r>
+              <a:rPr lang="en-US" dirty="0"/>
+              <a:t>Load a hdfs folder</a:t>
+            </a:r>
+          </a:p>
+          <a:p>
+            <a:pPr marL="228600" lvl="1" indent="0">
+              <a:buNone/>
+            </a:pPr>
             <a:r>
               <a:rPr lang="en-US" dirty="0">
                 <a:latin typeface="Courier New" panose="02070309020205020404" pitchFamily="49" charset="0"/>
                 <a:cs typeface="Courier New" panose="02070309020205020404" pitchFamily="49" charset="0"/>
               </a:rPr>
-              <a:t>('file:///home/student/ROI/datasets/</a:t>
-            </a:r>
-            <a:r>
-              <a:rPr lang="en-US" dirty="0" err="1">
-                <a:latin typeface="Courier New" panose="02070309020205020404" pitchFamily="49" charset="0"/>
-                <a:cs typeface="Courier New" panose="02070309020205020404" pitchFamily="49" charset="0"/>
-              </a:rPr>
-              <a:t>northwind</a:t>
-            </a:r>
-            <a:r>
-              <a:rPr lang="en-US" dirty="0">
-                <a:latin typeface="Courier New" panose="02070309020205020404" pitchFamily="49" charset="0"/>
-                <a:cs typeface="Courier New" panose="02070309020205020404" pitchFamily="49" charset="0"/>
-              </a:rPr>
-              <a:t>/CSV/categories/</a:t>
-            </a:r>
-            <a:r>
-              <a:rPr lang="en-US" dirty="0" err="1">
-                <a:latin typeface="Courier New" panose="02070309020205020404" pitchFamily="49" charset="0"/>
-                <a:cs typeface="Courier New" panose="02070309020205020404" pitchFamily="49" charset="0"/>
-              </a:rPr>
-              <a:t>categories.csv</a:t>
-            </a:r>
-            <a:r>
-              <a:rPr lang="en-US" dirty="0">
-                <a:latin typeface="Courier New" panose="02070309020205020404" pitchFamily="49" charset="0"/>
-                <a:cs typeface="Courier New" panose="02070309020205020404" pitchFamily="49" charset="0"/>
-              </a:rPr>
-              <a:t>')</a:t>
-            </a:r>
-          </a:p>
-          <a:p>
-            <a:r>
-              <a:rPr lang="en-US" dirty="0"/>
-              <a:t>Load a local folder</a:t>
-            </a:r>
-          </a:p>
-          <a:p>
-            <a:pPr marL="228600" lvl="1" indent="0">
-              <a:buNone/>
-            </a:pPr>
-            <a:r>
-              <a:rPr lang="en-US" dirty="0" err="1">
-                <a:latin typeface="Courier New" panose="02070309020205020404" pitchFamily="49" charset="0"/>
-                <a:cs typeface="Courier New" panose="02070309020205020404" pitchFamily="49" charset="0"/>
-              </a:rPr>
-              <a:t>sc.textFile</a:t>
-            </a:r>
-            <a:r>
-              <a:rPr lang="en-US" dirty="0">
-                <a:latin typeface="Courier New" panose="02070309020205020404" pitchFamily="49" charset="0"/>
-                <a:cs typeface="Courier New" panose="02070309020205020404" pitchFamily="49" charset="0"/>
-              </a:rPr>
-              <a:t>('file:///home/student/ROI/datasets/</a:t>
-            </a:r>
-            <a:r>
-              <a:rPr lang="en-US" dirty="0" err="1">
-                <a:latin typeface="Courier New" panose="02070309020205020404" pitchFamily="49" charset="0"/>
-                <a:cs typeface="Courier New" panose="02070309020205020404" pitchFamily="49" charset="0"/>
-              </a:rPr>
-              <a:t>northwind</a:t>
-            </a:r>
-            <a:r>
-              <a:rPr lang="en-US" dirty="0">
-                <a:latin typeface="Courier New" panose="02070309020205020404" pitchFamily="49" charset="0"/>
-                <a:cs typeface="Courier New" panose="02070309020205020404" pitchFamily="49" charset="0"/>
-              </a:rPr>
-              <a:t>/CSV/categories/</a:t>
-            </a:r>
-            <a:r>
-              <a:rPr lang="en-US" dirty="0" err="1">
-                <a:latin typeface="Courier New" panose="02070309020205020404" pitchFamily="49" charset="0"/>
-                <a:cs typeface="Courier New" panose="02070309020205020404" pitchFamily="49" charset="0"/>
-              </a:rPr>
-              <a:t>categories.csv</a:t>
-            </a:r>
-            <a:r>
-              <a:rPr lang="en-US" dirty="0">
-                <a:latin typeface="Courier New" panose="02070309020205020404" pitchFamily="49" charset="0"/>
-                <a:cs typeface="Courier New" panose="02070309020205020404" pitchFamily="49" charset="0"/>
-              </a:rPr>
-              <a:t>')</a:t>
-            </a:r>
-          </a:p>
-          <a:p>
-            <a:r>
-              <a:rPr lang="en-US" dirty="0"/>
-              <a:t>Load a </a:t>
-            </a:r>
-            <a:r>
-              <a:rPr lang="en-US" dirty="0" err="1"/>
-              <a:t>hdfs</a:t>
-            </a:r>
-            <a:r>
-              <a:rPr lang="en-US" dirty="0"/>
-              <a:t> folder</a:t>
-            </a:r>
-          </a:p>
-          <a:p>
-            <a:pPr marL="228600" lvl="1" indent="0">
-              <a:buNone/>
-            </a:pPr>
-            <a:r>
-              <a:rPr lang="en-US" dirty="0" err="1">
-                <a:latin typeface="Courier New" panose="02070309020205020404" pitchFamily="49" charset="0"/>
-                <a:cs typeface="Courier New" panose="02070309020205020404" pitchFamily="49" charset="0"/>
-              </a:rPr>
-              <a:t>sc.textFile</a:t>
-            </a:r>
-            <a:r>
-              <a:rPr lang="en-US" dirty="0">
-                <a:latin typeface="Courier New" panose="02070309020205020404" pitchFamily="49" charset="0"/>
-                <a:cs typeface="Courier New" panose="02070309020205020404" pitchFamily="49" charset="0"/>
-              </a:rPr>
-              <a:t>('</a:t>
-            </a:r>
-            <a:r>
-              <a:rPr lang="en-US" dirty="0" err="1">
-                <a:latin typeface="Courier New" panose="02070309020205020404" pitchFamily="49" charset="0"/>
-                <a:cs typeface="Courier New" panose="02070309020205020404" pitchFamily="49" charset="0"/>
-              </a:rPr>
-              <a:t>hdfs</a:t>
-            </a:r>
-            <a:r>
-              <a:rPr lang="en-US" dirty="0">
-                <a:latin typeface="Courier New" panose="02070309020205020404" pitchFamily="49" charset="0"/>
-                <a:cs typeface="Courier New" panose="02070309020205020404" pitchFamily="49" charset="0"/>
-              </a:rPr>
-              <a:t>://localhost:9000/categories')</a:t>
+              <a:t>sc.textFile('hdfs://localhost:9000/categories')</a:t>
             </a:r>
             <a:br>
               <a:rPr lang="en-US" dirty="0">
@@ -10547,32 +10100,11 @@
               </a:rPr>
             </a:br>
             <a:r>
-              <a:rPr lang="en-US" dirty="0" err="1">
-                <a:latin typeface="Courier New" panose="02070309020205020404" pitchFamily="49" charset="0"/>
-                <a:cs typeface="Courier New" panose="02070309020205020404" pitchFamily="49" charset="0"/>
-              </a:rPr>
-              <a:t>sc.textFile</a:t>
-            </a:r>
-            <a:r>
               <a:rPr lang="en-US" dirty="0">
                 <a:latin typeface="Courier New" panose="02070309020205020404" pitchFamily="49" charset="0"/>
                 <a:cs typeface="Courier New" panose="02070309020205020404" pitchFamily="49" charset="0"/>
               </a:rPr>
-              <a:t>(</a:t>
-            </a:r>
-            <a:r>
-              <a:rPr lang="en-US" dirty="0" err="1">
-                <a:latin typeface="Courier New" panose="02070309020205020404" pitchFamily="49" charset="0"/>
-                <a:cs typeface="Courier New" panose="02070309020205020404" pitchFamily="49" charset="0"/>
-              </a:rPr>
-              <a:t>hdfsFolder</a:t>
-            </a:r>
-            <a:r>
-              <a:rPr lang="en-US" dirty="0">
-                <a:latin typeface="Courier New" panose="02070309020205020404" pitchFamily="49" charset="0"/>
-                <a:cs typeface="Courier New" panose="02070309020205020404" pitchFamily="49" charset="0"/>
-              </a:rPr>
-              <a:t>('categories'))</a:t>
+              <a:t>sc.textFile(hdfsFolder('categories'))</a:t>
             </a:r>
           </a:p>
           <a:p>
@@ -10618,12 +10150,12 @@
       </p:grpSpPr>
       <p:sp>
         <p:nvSpPr>
-          <p:cNvPr id="2" name="Title 1"/>
+          <p:cNvPr id="3" name="Content Placeholder 2"/>
           <p:cNvSpPr>
             <a:spLocks noGrp="1"/>
           </p:cNvSpPr>
           <p:nvPr>
-            <p:ph type="title"/>
+            <p:ph idx="1"/>
           </p:nvPr>
         </p:nvSpPr>
         <p:spPr/>
@@ -10633,94 +10165,89 @@
           <a:p>
             <a:r>
               <a:rPr lang="en-US" dirty="0"/>
-              <a:t>Actions and Transformations</a:t>
+              <a:t>Once you have an RDD, you can invoke methods on it</a:t>
+            </a:r>
+          </a:p>
+          <a:p>
+            <a:r>
+              <a:rPr lang="en-US" dirty="0"/>
+              <a:t>Methods can either be:</a:t>
+            </a:r>
+          </a:p>
+          <a:p>
+            <a:pPr lvl="1"/>
+            <a:r>
+              <a:rPr lang="en-US" dirty="0"/>
+              <a:t>An action which causes it to do some work and possibly return data back to the client</a:t>
+            </a:r>
+          </a:p>
+          <a:p>
+            <a:pPr lvl="1"/>
+            <a:r>
+              <a:rPr lang="en-US" dirty="0"/>
+              <a:t>A transformation which is lazy evaluated and is only run when an action is called</a:t>
+            </a:r>
+          </a:p>
+          <a:p>
+            <a:r>
+              <a:rPr lang="en-US" dirty="0"/>
+              <a:t>Transformations can be chained together to create multiple operations on the data but none are executed until an action is called. This allows the entire chain of transformations to be internally optimized by Spark before execution</a:t>
+            </a:r>
+          </a:p>
+          <a:p>
+            <a:r>
+              <a:rPr lang="en-US" dirty="0"/>
+              <a:t>Transformations can also be either:</a:t>
+            </a:r>
+          </a:p>
+          <a:p>
+            <a:pPr lvl="1"/>
+            <a:r>
+              <a:rPr lang="en-US" dirty="0"/>
+              <a:t>Narrow: can operate on the data in a single node</a:t>
+            </a:r>
+          </a:p>
+          <a:p>
+            <a:pPr lvl="2"/>
+            <a:r>
+              <a:rPr lang="en-US" dirty="0"/>
+              <a:t>Like a map operation in MapReduce</a:t>
+            </a:r>
+          </a:p>
+          <a:p>
+            <a:pPr lvl="1"/>
+            <a:r>
+              <a:rPr lang="en-US" dirty="0"/>
+              <a:t>Wide: requires data with the same key to be shuffled around to the same nodes </a:t>
+            </a:r>
+          </a:p>
+          <a:p>
+            <a:pPr lvl="2"/>
+            <a:r>
+              <a:rPr lang="en-US" dirty="0"/>
+              <a:t>Like a reduce operation in MapReduce</a:t>
             </a:r>
           </a:p>
         </p:txBody>
       </p:sp>
       <p:sp>
         <p:nvSpPr>
-          <p:cNvPr id="3" name="Content Placeholder 2"/>
+          <p:cNvPr id="2" name="Title 1"/>
           <p:cNvSpPr>
             <a:spLocks noGrp="1"/>
           </p:cNvSpPr>
           <p:nvPr>
-            <p:ph idx="1"/>
+            <p:ph type="title"/>
           </p:nvPr>
         </p:nvSpPr>
-        <p:spPr>
-          <a:xfrm>
-            <a:off x="392912" y="917557"/>
-            <a:ext cx="8318488" cy="4986911"/>
-          </a:xfrm>
-        </p:spPr>
+        <p:spPr/>
         <p:txBody>
           <a:bodyPr/>
           <a:lstStyle/>
           <a:p>
             <a:r>
               <a:rPr lang="en-US" dirty="0"/>
-              <a:t>Once you have an RDD you can invoke methods on it</a:t>
-            </a:r>
-          </a:p>
-          <a:p>
-            <a:r>
-              <a:rPr lang="en-US" dirty="0"/>
-              <a:t>Methods can either be:</a:t>
-            </a:r>
-          </a:p>
-          <a:p>
-            <a:pPr lvl="1"/>
-            <a:r>
-              <a:rPr lang="en-US" dirty="0"/>
-              <a:t>an action which causes it to do some work and possibly return data back to the client</a:t>
-            </a:r>
-          </a:p>
-          <a:p>
-            <a:pPr lvl="1"/>
-            <a:r>
-              <a:rPr lang="en-US" dirty="0"/>
-              <a:t>a transformation which is lazy evaluated and is only run when an action is called</a:t>
-            </a:r>
-          </a:p>
-          <a:p>
-            <a:r>
-              <a:rPr lang="en-US" dirty="0"/>
-              <a:t>Transformations can be chained together to create multiple operations on the data but none are executed until an action is called. This allows the entire chain of transformations to be internally optimized by Spark before execution</a:t>
-            </a:r>
-          </a:p>
-          <a:p>
-            <a:r>
-              <a:rPr lang="en-US" dirty="0"/>
-              <a:t>Transformations can also be either:</a:t>
-            </a:r>
-          </a:p>
-          <a:p>
-            <a:pPr lvl="1"/>
-            <a:r>
-              <a:rPr lang="en-US" dirty="0"/>
-              <a:t>narrow - can operated on the data in a single node</a:t>
-            </a:r>
-          </a:p>
-          <a:p>
-            <a:pPr lvl="2"/>
-            <a:r>
-              <a:rPr lang="en-US" dirty="0"/>
-              <a:t>like a map operation in MapReduce</a:t>
-            </a:r>
-          </a:p>
-          <a:p>
-            <a:pPr lvl="1"/>
-            <a:r>
-              <a:rPr lang="en-US" dirty="0"/>
-              <a:t>wide – require data with the same key to be shuffled around to the same nodes </a:t>
-            </a:r>
-          </a:p>
-          <a:p>
-            <a:pPr lvl="2"/>
-            <a:r>
-              <a:rPr lang="en-US" dirty="0"/>
-              <a:t>like a reduce operation in MapReduce</a:t>
+              <a:t>Actions and Transformations</a:t>
             </a:r>
           </a:p>
         </p:txBody>
@@ -10775,19 +10302,19 @@
             </a:pPr>
             <a:r>
               <a:rPr lang="en-US" dirty="0"/>
-              <a:t>In this chapter, we will look into:</a:t>
-            </a:r>
-          </a:p>
-          <a:p>
-            <a:r>
-              <a:rPr lang="en-US" dirty="0"/>
-              <a:t>The history of Apache Spark</a:t>
-            </a:r>
-          </a:p>
-          <a:p>
-            <a:r>
-              <a:rPr lang="en-US" dirty="0"/>
-              <a:t>Architecture and components of Apache Spark</a:t>
+              <a:t>In this chapter, we will :</a:t>
+            </a:r>
+          </a:p>
+          <a:p>
+            <a:r>
+              <a:rPr lang="en-US" dirty="0"/>
+              <a:t>Review the history of Apache Spark</a:t>
+            </a:r>
+          </a:p>
+          <a:p>
+            <a:r>
+              <a:rPr lang="en-US" dirty="0"/>
+              <a:t>Look at the architecture and components of Apache Spark</a:t>
             </a:r>
           </a:p>
           <a:p>
@@ -10861,12 +10388,18 @@
       </p:grpSpPr>
       <p:sp>
         <p:nvSpPr>
-          <p:cNvPr id="2" name="Title 1"/>
+          <p:cNvPr id="7" name="Content Placeholder 6">
+            <a:extLst>
+              <a:ext uri="{FF2B5EF4-FFF2-40B4-BE49-F238E27FC236}">
+                <a16:creationId xmlns:a16="http://schemas.microsoft.com/office/drawing/2014/main" id="{CFFB0733-FB1B-4F1B-91CA-DD4986D05760}"/>
+              </a:ext>
+            </a:extLst>
+          </p:cNvPr>
           <p:cNvSpPr>
             <a:spLocks noGrp="1"/>
           </p:cNvSpPr>
           <p:nvPr>
-            <p:ph type="title"/>
+            <p:ph idx="1"/>
           </p:nvPr>
         </p:nvSpPr>
         <p:spPr/>
@@ -10876,56 +10409,21 @@
           <a:p>
             <a:r>
               <a:rPr lang="en-US" dirty="0"/>
-              <a:t>Processing Data</a:t>
-            </a:r>
-          </a:p>
-        </p:txBody>
-      </p:sp>
-      <p:sp>
-        <p:nvSpPr>
-          <p:cNvPr id="3" name="Content Placeholder 2"/>
-          <p:cNvSpPr>
-            <a:spLocks noGrp="1"/>
-          </p:cNvSpPr>
-          <p:nvPr>
-            <p:ph idx="1"/>
-          </p:nvPr>
-        </p:nvSpPr>
-        <p:spPr>
-          <a:xfrm>
-            <a:off x="392912" y="917557"/>
-            <a:ext cx="8318488" cy="4986911"/>
-          </a:xfrm>
-        </p:spPr>
-        <p:txBody>
-          <a:bodyPr/>
-          <a:lstStyle/>
-          <a:p>
-            <a:r>
-              <a:rPr lang="en-US" dirty="0"/>
-              <a:t>The data is loaded into an RDD (Resilient Distributed </a:t>
-            </a:r>
-            <a:r>
-              <a:rPr lang="en-US" dirty="0" err="1"/>
-              <a:t>DataFrame</a:t>
-            </a:r>
-            <a:r>
-              <a:rPr lang="en-US" dirty="0"/>
-              <a:t>)</a:t>
+              <a:t>The data is loaded into an RDD (Resilient Distributed DataFrame)</a:t>
             </a:r>
           </a:p>
           <a:p>
             <a:pPr lvl="1"/>
             <a:r>
               <a:rPr lang="en-US" dirty="0"/>
-              <a:t>very similar to a python list except it is spread across many nodes in the cluster</a:t>
+              <a:t>Very similar to a Python list except it is spread across many nodes in the cluster</a:t>
             </a:r>
           </a:p>
           <a:p>
             <a:pPr lvl="1"/>
             <a:r>
               <a:rPr lang="en-US" dirty="0"/>
-              <a:t>has many built in methods to process the data </a:t>
+              <a:t>Has many built-in methods to process the data </a:t>
             </a:r>
           </a:p>
           <a:p>
@@ -10942,61 +10440,54 @@
           </a:p>
           <a:p>
             <a:pPr lvl="1"/>
-            <a:r>
-              <a:rPr lang="en-US" dirty="0" err="1">
-                <a:latin typeface="Courier New" panose="02070309020205020404" pitchFamily="49" charset="0"/>
-                <a:cs typeface="Courier New" panose="02070309020205020404" pitchFamily="49" charset="0"/>
-              </a:rPr>
-              <a:t>rdd.collect</a:t>
-            </a:r>
             <a:r>
               <a:rPr lang="en-US" dirty="0">
                 <a:latin typeface="Courier New" panose="02070309020205020404" pitchFamily="49" charset="0"/>
                 <a:cs typeface="Courier New" panose="02070309020205020404" pitchFamily="49" charset="0"/>
               </a:rPr>
-              <a:t>() -</a:t>
-            </a:r>
-            <a:r>
-              <a:rPr lang="en-US" dirty="0"/>
-              <a:t> returns the entire RDD as a python list to the client</a:t>
+              <a:t>rdd.collect() -</a:t>
+            </a:r>
+            <a:r>
+              <a:rPr lang="en-US" dirty="0"/>
+              <a:t> returns the entire RDD as a Python list to the client</a:t>
             </a:r>
           </a:p>
           <a:p>
             <a:pPr lvl="1"/>
-            <a:r>
-              <a:rPr lang="en-US" dirty="0" err="1">
-                <a:latin typeface="Courier New" panose="02070309020205020404" pitchFamily="49" charset="0"/>
-                <a:cs typeface="Courier New" panose="02070309020205020404" pitchFamily="49" charset="0"/>
-              </a:rPr>
-              <a:t>rdd.count</a:t>
-            </a:r>
             <a:r>
               <a:rPr lang="en-US" dirty="0">
                 <a:latin typeface="Courier New" panose="02070309020205020404" pitchFamily="49" charset="0"/>
                 <a:cs typeface="Courier New" panose="02070309020205020404" pitchFamily="49" charset="0"/>
               </a:rPr>
-              <a:t>() – </a:t>
-            </a:r>
-            <a:r>
-              <a:rPr lang="en-US" dirty="0"/>
-              <a:t>returns a count of how many items are in the RDD</a:t>
-            </a:r>
-          </a:p>
-          <a:p>
-            <a:pPr lvl="1"/>
-            <a:r>
-              <a:rPr lang="en-US" dirty="0" err="1">
-                <a:latin typeface="Courier New" panose="02070309020205020404" pitchFamily="49" charset="0"/>
+              <a:t>rdd.count() -</a:t>
+            </a:r>
+            <a:r>
+              <a:rPr lang="en-US" dirty="0">
+                <a:latin typeface="+mn-lt"/>
                 <a:cs typeface="Courier New" panose="02070309020205020404" pitchFamily="49" charset="0"/>
               </a:rPr>
-              <a:t>rdd.take</a:t>
-            </a:r>
+              <a:t> </a:t>
+            </a:r>
+            <a:r>
+              <a:rPr lang="en-US" dirty="0"/>
+              <a:t>returns a count of how many items are in the RDD</a:t>
+            </a:r>
+          </a:p>
+          <a:p>
+            <a:pPr lvl="1"/>
             <a:r>
               <a:rPr lang="en-US" dirty="0">
                 <a:latin typeface="Courier New" panose="02070309020205020404" pitchFamily="49" charset="0"/>
                 <a:cs typeface="Courier New" panose="02070309020205020404" pitchFamily="49" charset="0"/>
               </a:rPr>
-              <a:t>(x) - </a:t>
+              <a:t>rdd.take(x) -</a:t>
+            </a:r>
+            <a:r>
+              <a:rPr lang="en-US" dirty="0">
+                <a:latin typeface="+mn-lt"/>
+                <a:cs typeface="Courier New" panose="02070309020205020404" pitchFamily="49" charset="0"/>
+              </a:rPr>
+              <a:t> </a:t>
             </a:r>
             <a:r>
               <a:rPr lang="en-US" dirty="0"/>
@@ -11017,18 +10508,18 @@
           <a:p>
             <a:pPr lvl="1"/>
             <a:r>
-              <a:rPr lang="en-US" dirty="0" err="1">
-                <a:latin typeface="Courier New" panose="02070309020205020404" pitchFamily="49" charset="0"/>
-                <a:cs typeface="Courier New" panose="02070309020205020404" pitchFamily="49" charset="0"/>
-              </a:rPr>
-              <a:t>rdd.takeOrdered</a:t>
-            </a:r>
-            <a:r>
               <a:rPr lang="en-US" dirty="0">
                 <a:latin typeface="Courier New" panose="02070309020205020404" pitchFamily="49" charset="0"/>
                 <a:cs typeface="Courier New" panose="02070309020205020404" pitchFamily="49" charset="0"/>
               </a:rPr>
-              <a:t>(x, key=function) – </a:t>
+              <a:t>rdd.takeOrdered(x, key=function) </a:t>
+            </a:r>
+            <a:r>
+              <a:rPr lang="en-US" dirty="0">
+                <a:latin typeface="+mn-lt"/>
+                <a:cs typeface="Courier New" panose="02070309020205020404" pitchFamily="49" charset="0"/>
+              </a:rPr>
+              <a:t>– </a:t>
             </a:r>
             <a:r>
               <a:rPr lang="en-US" dirty="0"/>
@@ -11049,78 +10540,94 @@
           <a:p>
             <a:pPr lvl="1"/>
             <a:r>
-              <a:rPr lang="en-US" dirty="0" err="1">
-                <a:latin typeface="Courier New" panose="02070309020205020404" pitchFamily="49" charset="0"/>
-                <a:cs typeface="Courier New" panose="02070309020205020404" pitchFamily="49" charset="0"/>
-              </a:rPr>
-              <a:t>rdd.top</a:t>
-            </a:r>
-            <a:r>
               <a:rPr lang="en-US" dirty="0">
                 <a:latin typeface="Courier New" panose="02070309020205020404" pitchFamily="49" charset="0"/>
                 <a:cs typeface="Courier New" panose="02070309020205020404" pitchFamily="49" charset="0"/>
               </a:rPr>
-              <a:t>(x, key=function) – </a:t>
-            </a:r>
-            <a:r>
-              <a:rPr lang="en-US" dirty="0"/>
-              <a:t>returns the opposite of </a:t>
-            </a:r>
-            <a:r>
-              <a:rPr lang="en-US" dirty="0" err="1"/>
-              <a:t>takeOrdered</a:t>
-            </a:r>
-            <a:endParaRPr lang="en-US" dirty="0"/>
-          </a:p>
-          <a:p>
-            <a:pPr lvl="1"/>
-            <a:r>
-              <a:rPr lang="en-US" dirty="0" err="1">
-                <a:latin typeface="Courier New" panose="02070309020205020404" pitchFamily="49" charset="0"/>
+              <a:t>rdd.top(x, key=function) -</a:t>
+            </a:r>
+            <a:r>
+              <a:rPr lang="en-US" dirty="0">
+                <a:latin typeface="+mn-lt"/>
                 <a:cs typeface="Courier New" panose="02070309020205020404" pitchFamily="49" charset="0"/>
               </a:rPr>
-              <a:t>rdd.takeSample</a:t>
-            </a:r>
+              <a:t> </a:t>
+            </a:r>
+            <a:r>
+              <a:rPr lang="en-US" dirty="0"/>
+              <a:t>returns the opposite of takeOrdered</a:t>
+            </a:r>
+          </a:p>
+          <a:p>
+            <a:pPr lvl="1"/>
             <a:r>
               <a:rPr lang="en-US" dirty="0">
                 <a:latin typeface="Courier New" panose="02070309020205020404" pitchFamily="49" charset="0"/>
                 <a:cs typeface="Courier New" panose="02070309020205020404" pitchFamily="49" charset="0"/>
               </a:rPr>
-              <a:t>(replacement, count, seed) – </a:t>
-            </a:r>
-            <a:r>
-              <a:rPr lang="en-US" dirty="0"/>
-              <a:t>returns a sample of a larger data set</a:t>
-            </a:r>
-          </a:p>
-          <a:p>
-            <a:pPr lvl="1"/>
-            <a:r>
-              <a:rPr lang="en-US" dirty="0" err="1">
-                <a:latin typeface="Courier New" panose="02070309020205020404" pitchFamily="49" charset="0"/>
+              <a:t>rdd.takeSample(replacement, count, seed) </a:t>
+            </a:r>
+            <a:r>
+              <a:rPr lang="en-US" dirty="0">
+                <a:latin typeface="+mn-lt"/>
                 <a:cs typeface="Courier New" panose="02070309020205020404" pitchFamily="49" charset="0"/>
               </a:rPr>
-              <a:t>rdd.foreach</a:t>
-            </a:r>
+              <a:t>- </a:t>
+            </a:r>
+            <a:r>
+              <a:rPr lang="en-US" dirty="0"/>
+              <a:t>returns a sample of a larger data set</a:t>
+            </a:r>
+          </a:p>
+          <a:p>
+            <a:pPr lvl="1"/>
             <a:r>
               <a:rPr lang="en-US" dirty="0">
                 <a:latin typeface="Courier New" panose="02070309020205020404" pitchFamily="49" charset="0"/>
                 <a:cs typeface="Courier New" panose="02070309020205020404" pitchFamily="49" charset="0"/>
               </a:rPr>
-              <a:t>(function) – </a:t>
-            </a:r>
-            <a:r>
-              <a:rPr lang="en-US" dirty="0"/>
-              <a:t>executes the function once for each element of the </a:t>
-            </a:r>
-            <a:r>
-              <a:rPr lang="en-US" dirty="0" err="1"/>
-              <a:t>rdd</a:t>
+              <a:t>rdd.foreach(function) -</a:t>
+            </a:r>
+            <a:r>
+              <a:rPr lang="en-US" dirty="0">
+                <a:latin typeface="+mn-lt"/>
+                <a:cs typeface="Courier New" panose="02070309020205020404" pitchFamily="49" charset="0"/>
+              </a:rPr>
+              <a:t> </a:t>
+            </a:r>
+            <a:r>
+              <a:rPr lang="en-US" dirty="0"/>
+              <a:t>executes the function once for each element of the RDD</a:t>
             </a:r>
             <a:endParaRPr lang="en-US" dirty="0">
               <a:latin typeface="Courier New" panose="02070309020205020404" pitchFamily="49" charset="0"/>
               <a:cs typeface="Courier New" panose="02070309020205020404" pitchFamily="49" charset="0"/>
             </a:endParaRPr>
+          </a:p>
+          <a:p>
+            <a:endParaRPr lang="en-US" dirty="0"/>
+          </a:p>
+        </p:txBody>
+      </p:sp>
+      <p:sp>
+        <p:nvSpPr>
+          <p:cNvPr id="2" name="Title 1"/>
+          <p:cNvSpPr>
+            <a:spLocks noGrp="1"/>
+          </p:cNvSpPr>
+          <p:nvPr>
+            <p:ph type="title"/>
+          </p:nvPr>
+        </p:nvSpPr>
+        <p:spPr/>
+        <p:txBody>
+          <a:bodyPr/>
+          <a:lstStyle/>
+          <a:p>
+            <a:r>
+              <a:rPr lang="en-US" dirty="0"/>
+              <a:t>Processing Data</a:t>
+            </a:r>
           </a:p>
         </p:txBody>
       </p:sp>
@@ -11156,12 +10663,18 @@
       </p:grpSpPr>
       <p:sp>
         <p:nvSpPr>
-          <p:cNvPr id="2" name="Title 1"/>
+          <p:cNvPr id="5" name="Content Placeholder 4">
+            <a:extLst>
+              <a:ext uri="{FF2B5EF4-FFF2-40B4-BE49-F238E27FC236}">
+                <a16:creationId xmlns:a16="http://schemas.microsoft.com/office/drawing/2014/main" id="{8CF55260-A388-485C-A06C-7DCFA9C312E2}"/>
+              </a:ext>
+            </a:extLst>
+          </p:cNvPr>
           <p:cNvSpPr>
             <a:spLocks noGrp="1"/>
           </p:cNvSpPr>
           <p:nvPr>
-            <p:ph type="title"/>
+            <p:ph idx="1"/>
           </p:nvPr>
         </p:nvSpPr>
         <p:spPr/>
@@ -11171,118 +10684,119 @@
           <a:p>
             <a:r>
               <a:rPr lang="en-US" dirty="0"/>
-              <a:t>Saving Data</a:t>
-            </a:r>
-          </a:p>
-        </p:txBody>
-      </p:sp>
-      <p:sp>
-        <p:nvSpPr>
-          <p:cNvPr id="3" name="Content Placeholder 2"/>
-          <p:cNvSpPr>
-            <a:spLocks noGrp="1"/>
-          </p:cNvSpPr>
-          <p:nvPr>
-            <p:ph idx="1"/>
-          </p:nvPr>
-        </p:nvSpPr>
-        <p:spPr>
-          <a:xfrm>
-            <a:off x="392912" y="917557"/>
-            <a:ext cx="8318488" cy="4986911"/>
-          </a:xfrm>
-        </p:spPr>
-        <p:txBody>
-          <a:bodyPr/>
-          <a:lstStyle/>
-          <a:p>
-            <a:r>
-              <a:rPr lang="en-US" dirty="0"/>
               <a:t>There are a lot of methods to save data to different formats</a:t>
             </a:r>
           </a:p>
           <a:p>
             <a:pPr lvl="1"/>
-            <a:r>
-              <a:rPr lang="en-US" dirty="0" err="1">
-                <a:latin typeface="Courier New" panose="02070309020205020404" pitchFamily="49" charset="0"/>
-                <a:cs typeface="Courier New" panose="02070309020205020404" pitchFamily="49" charset="0"/>
-              </a:rPr>
-              <a:t>rdd.saveAsTextFile</a:t>
-            </a:r>
             <a:r>
               <a:rPr lang="en-US" dirty="0">
                 <a:latin typeface="Courier New" panose="02070309020205020404" pitchFamily="49" charset="0"/>
                 <a:cs typeface="Courier New" panose="02070309020205020404" pitchFamily="49" charset="0"/>
               </a:rPr>
-              <a:t>() –</a:t>
-            </a:r>
-            <a:r>
-              <a:rPr lang="en-US" dirty="0"/>
-              <a:t> saves the RDD as a plain text file</a:t>
-            </a:r>
-          </a:p>
-          <a:p>
-            <a:pPr lvl="1"/>
-            <a:r>
-              <a:rPr lang="en-US" dirty="0" err="1">
-                <a:latin typeface="Courier New" panose="02070309020205020404" pitchFamily="49" charset="0"/>
+              <a:t>rdd.saveAsTextFile() </a:t>
+            </a:r>
+            <a:r>
+              <a:rPr lang="en-US" dirty="0">
+                <a:latin typeface="+mn-lt"/>
                 <a:cs typeface="Courier New" panose="02070309020205020404" pitchFamily="49" charset="0"/>
               </a:rPr>
-              <a:t>rdd.saveAsHadoopFile</a:t>
-            </a:r>
+              <a:t>–</a:t>
+            </a:r>
+            <a:r>
+              <a:rPr lang="en-US" dirty="0">
+                <a:latin typeface="+mn-lt"/>
+              </a:rPr>
+              <a:t> </a:t>
+            </a:r>
+            <a:r>
+              <a:rPr lang="en-US" dirty="0"/>
+              <a:t>saves the RDD as a plain text file</a:t>
+            </a:r>
+          </a:p>
+          <a:p>
+            <a:pPr lvl="1"/>
             <a:r>
               <a:rPr lang="en-US" dirty="0">
                 <a:latin typeface="Courier New" panose="02070309020205020404" pitchFamily="49" charset="0"/>
                 <a:cs typeface="Courier New" panose="02070309020205020404" pitchFamily="49" charset="0"/>
               </a:rPr>
-              <a:t>() – </a:t>
-            </a:r>
-            <a:r>
-              <a:rPr lang="en-US" dirty="0"/>
-              <a:t>saves the RDD as a key/value pair file suitable for Hadoop</a:t>
-            </a:r>
-          </a:p>
-          <a:p>
-            <a:pPr lvl="1"/>
-            <a:r>
-              <a:rPr lang="en-US" dirty="0" err="1">
-                <a:latin typeface="Courier New" panose="02070309020205020404" pitchFamily="49" charset="0"/>
+              <a:t>rdd.saveAsHadoopFile() </a:t>
+            </a:r>
+            <a:r>
+              <a:rPr lang="en-US" dirty="0">
+                <a:latin typeface="+mn-lt"/>
                 <a:cs typeface="Courier New" panose="02070309020205020404" pitchFamily="49" charset="0"/>
               </a:rPr>
-              <a:t>rdd.saveAsSequenceFile</a:t>
-            </a:r>
+              <a:t>– </a:t>
+            </a:r>
+            <a:r>
+              <a:rPr lang="en-US" dirty="0"/>
+              <a:t>saves the RDD as a key/value pair file suitable for Hadoop</a:t>
+            </a:r>
+          </a:p>
+          <a:p>
+            <a:pPr lvl="1"/>
             <a:r>
               <a:rPr lang="en-US" dirty="0">
                 <a:latin typeface="Courier New" panose="02070309020205020404" pitchFamily="49" charset="0"/>
                 <a:cs typeface="Courier New" panose="02070309020205020404" pitchFamily="49" charset="0"/>
               </a:rPr>
-              <a:t>() – </a:t>
-            </a:r>
-            <a:r>
-              <a:rPr lang="en-US" dirty="0"/>
-              <a:t>saves the RDD as a Hadoop sequence file</a:t>
-            </a:r>
-          </a:p>
-          <a:p>
-            <a:pPr lvl="1"/>
-            <a:r>
-              <a:rPr lang="en-US" dirty="0" err="1">
-                <a:latin typeface="Courier New" panose="02070309020205020404" pitchFamily="49" charset="0"/>
+              <a:t>rdd.saveAsSequenceFile() </a:t>
+            </a:r>
+            <a:r>
+              <a:rPr lang="en-US" dirty="0">
+                <a:latin typeface="+mn-lt"/>
                 <a:cs typeface="Courier New" panose="02070309020205020404" pitchFamily="49" charset="0"/>
               </a:rPr>
-              <a:t>rdd.saceAsPickleFile</a:t>
-            </a:r>
+              <a:t>– </a:t>
+            </a:r>
+            <a:r>
+              <a:rPr lang="en-US" dirty="0"/>
+              <a:t>saves the RDD as a Hadoop sequence file</a:t>
+            </a:r>
+          </a:p>
+          <a:p>
+            <a:pPr lvl="1"/>
             <a:r>
               <a:rPr lang="en-US" dirty="0">
                 <a:latin typeface="Courier New" panose="02070309020205020404" pitchFamily="49" charset="0"/>
                 <a:cs typeface="Courier New" panose="02070309020205020404" pitchFamily="49" charset="0"/>
               </a:rPr>
-              <a:t>() – </a:t>
-            </a:r>
-            <a:r>
-              <a:rPr lang="en-US" dirty="0"/>
-              <a:t>saves the RDD as a python pickle file</a:t>
+              <a:t>rdd.saceAsPickleFile() </a:t>
+            </a:r>
+            <a:r>
+              <a:rPr lang="en-US" dirty="0">
+                <a:latin typeface="+mn-lt"/>
+                <a:cs typeface="Courier New" panose="02070309020205020404" pitchFamily="49" charset="0"/>
+              </a:rPr>
+              <a:t>– </a:t>
+            </a:r>
+            <a:r>
+              <a:rPr lang="en-US" dirty="0"/>
+              <a:t>saves the RDD as a Python pickle file</a:t>
+            </a:r>
+          </a:p>
+        </p:txBody>
+      </p:sp>
+      <p:sp>
+        <p:nvSpPr>
+          <p:cNvPr id="2" name="Title 1"/>
+          <p:cNvSpPr>
+            <a:spLocks noGrp="1"/>
+          </p:cNvSpPr>
+          <p:nvPr>
+            <p:ph type="title"/>
+          </p:nvPr>
+        </p:nvSpPr>
+        <p:spPr/>
+        <p:txBody>
+          <a:bodyPr/>
+          <a:lstStyle/>
+          <a:p>
+            <a:r>
+              <a:rPr lang="en-US" dirty="0"/>
+              <a:t>Saving Data</a:t>
             </a:r>
           </a:p>
         </p:txBody>
@@ -11368,35 +10882,35 @@
             <a:pPr lvl="1"/>
             <a:r>
               <a:rPr lang="en-US" dirty="0"/>
-              <a:t>string parsing, data conversion, calculations</a:t>
+              <a:t>String parsing, data conversion, calculations</a:t>
             </a:r>
           </a:p>
           <a:p>
             <a:pPr lvl="1"/>
             <a:r>
               <a:rPr lang="en-US" dirty="0"/>
-              <a:t>filtering</a:t>
+              <a:t>Filtering</a:t>
             </a:r>
           </a:p>
           <a:p>
             <a:pPr lvl="1"/>
             <a:r>
               <a:rPr lang="en-US" dirty="0"/>
-              <a:t>matching</a:t>
+              <a:t>Matching</a:t>
             </a:r>
           </a:p>
           <a:p>
             <a:pPr lvl="1"/>
             <a:r>
               <a:rPr lang="en-US" dirty="0"/>
-              <a:t>sorting</a:t>
+              <a:t>Sorting</a:t>
             </a:r>
           </a:p>
           <a:p>
             <a:pPr lvl="1"/>
             <a:r>
               <a:rPr lang="en-US" dirty="0"/>
-              <a:t>aggregating</a:t>
+              <a:t>Aggregating</a:t>
             </a:r>
           </a:p>
           <a:p>
@@ -11414,156 +10928,192 @@
           </a:p>
           <a:p>
             <a:pPr lvl="2"/>
-            <a:r>
-              <a:rPr lang="en-US" dirty="0" err="1">
-                <a:latin typeface="Courier New" panose="02070309020205020404" pitchFamily="49" charset="0"/>
-                <a:cs typeface="Courier New" panose="02070309020205020404" pitchFamily="49" charset="0"/>
-              </a:rPr>
-              <a:t>rdd.map</a:t>
-            </a:r>
             <a:r>
               <a:rPr lang="en-US" dirty="0">
                 <a:latin typeface="Courier New" panose="02070309020205020404" pitchFamily="49" charset="0"/>
                 <a:cs typeface="Courier New" panose="02070309020205020404" pitchFamily="49" charset="0"/>
               </a:rPr>
-              <a:t>() –</a:t>
-            </a:r>
-            <a:r>
-              <a:rPr lang="en-US" dirty="0"/>
-              <a:t> applies a function to each element of the RDD</a:t>
-            </a:r>
-          </a:p>
-          <a:p>
-            <a:pPr lvl="2"/>
-            <a:r>
-              <a:rPr lang="en-US" dirty="0" err="1">
-                <a:latin typeface="Courier New" panose="02070309020205020404" pitchFamily="49" charset="0"/>
+              <a:t>rdd.map() </a:t>
+            </a:r>
+            <a:r>
+              <a:rPr lang="en-US" dirty="0">
+                <a:latin typeface="+mn-lt"/>
                 <a:cs typeface="Courier New" panose="02070309020205020404" pitchFamily="49" charset="0"/>
               </a:rPr>
-              <a:t>rdd.flatMap</a:t>
-            </a:r>
+              <a:t>–</a:t>
+            </a:r>
+            <a:r>
+              <a:rPr lang="en-US" dirty="0">
+                <a:latin typeface="+mn-lt"/>
+              </a:rPr>
+              <a:t> </a:t>
+            </a:r>
+            <a:r>
+              <a:rPr lang="en-US" dirty="0"/>
+              <a:t>applies a function to each element of the RDD</a:t>
+            </a:r>
+          </a:p>
+          <a:p>
+            <a:pPr lvl="2"/>
             <a:r>
               <a:rPr lang="en-US" dirty="0">
                 <a:latin typeface="Courier New" panose="02070309020205020404" pitchFamily="49" charset="0"/>
                 <a:cs typeface="Courier New" panose="02070309020205020404" pitchFamily="49" charset="0"/>
               </a:rPr>
-              <a:t>() –</a:t>
-            </a:r>
-            <a:r>
-              <a:rPr lang="en-US" dirty="0"/>
-              <a:t> applies a function and flattens the elements</a:t>
-            </a:r>
-          </a:p>
-          <a:p>
-            <a:pPr lvl="2"/>
-            <a:r>
-              <a:rPr lang="en-US" dirty="0" err="1">
-                <a:latin typeface="Courier New" panose="02070309020205020404" pitchFamily="49" charset="0"/>
+              <a:t>rdd.flatMap() </a:t>
+            </a:r>
+            <a:r>
+              <a:rPr lang="en-US" dirty="0">
+                <a:latin typeface="+mn-lt"/>
                 <a:cs typeface="Courier New" panose="02070309020205020404" pitchFamily="49" charset="0"/>
               </a:rPr>
-              <a:t>rdd.filter</a:t>
-            </a:r>
+              <a:t>–</a:t>
+            </a:r>
+            <a:r>
+              <a:rPr lang="en-US" dirty="0">
+                <a:latin typeface="+mn-lt"/>
+              </a:rPr>
+              <a:t> </a:t>
+            </a:r>
+            <a:r>
+              <a:rPr lang="en-US" dirty="0"/>
+              <a:t>applies a function and flattens the elements</a:t>
+            </a:r>
+          </a:p>
+          <a:p>
+            <a:pPr lvl="2"/>
             <a:r>
               <a:rPr lang="en-US" dirty="0">
                 <a:latin typeface="Courier New" panose="02070309020205020404" pitchFamily="49" charset="0"/>
                 <a:cs typeface="Courier New" panose="02070309020205020404" pitchFamily="49" charset="0"/>
               </a:rPr>
-              <a:t>() –</a:t>
-            </a:r>
-            <a:r>
-              <a:rPr lang="en-US" dirty="0"/>
-              <a:t> applies a function to determine if an element is returned</a:t>
-            </a:r>
-          </a:p>
-          <a:p>
-            <a:pPr lvl="1"/>
-            <a:r>
-              <a:rPr lang="en-US" dirty="0"/>
-              <a:t>Wide transformations</a:t>
-            </a:r>
-          </a:p>
-          <a:p>
-            <a:pPr lvl="2"/>
-            <a:r>
-              <a:rPr lang="en-US" dirty="0" err="1">
-                <a:latin typeface="Courier New" panose="02070309020205020404" pitchFamily="49" charset="0"/>
+              <a:t>rdd.filter() </a:t>
+            </a:r>
+            <a:r>
+              <a:rPr lang="en-US" dirty="0">
+                <a:latin typeface="+mn-lt"/>
                 <a:cs typeface="Courier New" panose="02070309020205020404" pitchFamily="49" charset="0"/>
               </a:rPr>
-              <a:t>rdd.sort</a:t>
-            </a:r>
+              <a:t>–</a:t>
+            </a:r>
+            <a:r>
+              <a:rPr lang="en-US" dirty="0">
+                <a:latin typeface="+mn-lt"/>
+              </a:rPr>
+              <a:t> </a:t>
+            </a:r>
+            <a:r>
+              <a:rPr lang="en-US" dirty="0"/>
+              <a:t>applies a function to determine if an element is returned</a:t>
+            </a:r>
+          </a:p>
+          <a:p>
+            <a:pPr lvl="1"/>
+            <a:r>
+              <a:rPr lang="en-US" dirty="0"/>
+              <a:t>Wide transformations</a:t>
+            </a:r>
+          </a:p>
+          <a:p>
+            <a:pPr lvl="2"/>
             <a:r>
               <a:rPr lang="en-US" dirty="0">
                 <a:latin typeface="Courier New" panose="02070309020205020404" pitchFamily="49" charset="0"/>
                 <a:cs typeface="Courier New" panose="02070309020205020404" pitchFamily="49" charset="0"/>
               </a:rPr>
-              <a:t>() –</a:t>
-            </a:r>
-            <a:r>
-              <a:rPr lang="en-US" dirty="0"/>
-              <a:t> orders the RDD</a:t>
-            </a:r>
-          </a:p>
-          <a:p>
-            <a:pPr lvl="2"/>
-            <a:r>
-              <a:rPr lang="en-US" dirty="0" err="1">
-                <a:latin typeface="Courier New" panose="02070309020205020404" pitchFamily="49" charset="0"/>
+              <a:t>rdd.sort() </a:t>
+            </a:r>
+            <a:r>
+              <a:rPr lang="en-US" dirty="0">
+                <a:latin typeface="+mn-lt"/>
                 <a:cs typeface="Courier New" panose="02070309020205020404" pitchFamily="49" charset="0"/>
               </a:rPr>
-              <a:t>rdd.groupBy</a:t>
-            </a:r>
+              <a:t>–</a:t>
+            </a:r>
+            <a:r>
+              <a:rPr lang="en-US" dirty="0">
+                <a:latin typeface="+mn-lt"/>
+              </a:rPr>
+              <a:t> </a:t>
+            </a:r>
+            <a:r>
+              <a:rPr lang="en-US" dirty="0"/>
+              <a:t>orders the RDD</a:t>
+            </a:r>
+          </a:p>
+          <a:p>
+            <a:pPr lvl="2"/>
             <a:r>
               <a:rPr lang="en-US" dirty="0">
                 <a:latin typeface="Courier New" panose="02070309020205020404" pitchFamily="49" charset="0"/>
                 <a:cs typeface="Courier New" panose="02070309020205020404" pitchFamily="49" charset="0"/>
               </a:rPr>
-              <a:t>() –</a:t>
-            </a:r>
-            <a:r>
-              <a:rPr lang="en-US" dirty="0"/>
-              <a:t> accumulates items with a key into a tuple of the key and list of the items</a:t>
-            </a:r>
-          </a:p>
-          <a:p>
-            <a:pPr lvl="2"/>
-            <a:r>
-              <a:rPr lang="en-US" dirty="0" err="1">
-                <a:latin typeface="Courier New" panose="02070309020205020404" pitchFamily="49" charset="0"/>
+              <a:t>rdd.groupBy() </a:t>
+            </a:r>
+            <a:r>
+              <a:rPr lang="en-US" dirty="0">
+                <a:latin typeface="+mn-lt"/>
                 <a:cs typeface="Courier New" panose="02070309020205020404" pitchFamily="49" charset="0"/>
               </a:rPr>
-              <a:t>rdd.reduce</a:t>
-            </a:r>
+              <a:t>–</a:t>
+            </a:r>
+            <a:r>
+              <a:rPr lang="en-US" dirty="0"/>
+              <a:t> accumulates items with a key into a tuple of the key and list of the items</a:t>
+            </a:r>
+          </a:p>
+          <a:p>
+            <a:pPr lvl="2"/>
             <a:r>
               <a:rPr lang="en-US" dirty="0">
                 <a:latin typeface="Courier New" panose="02070309020205020404" pitchFamily="49" charset="0"/>
                 <a:cs typeface="Courier New" panose="02070309020205020404" pitchFamily="49" charset="0"/>
               </a:rPr>
-              <a:t>() –</a:t>
-            </a:r>
-            <a:r>
-              <a:rPr lang="en-US" dirty="0"/>
-              <a:t> runs a function on items for a key to return an aggregated value</a:t>
-            </a:r>
-          </a:p>
-          <a:p>
-            <a:pPr lvl="2"/>
-            <a:r>
-              <a:rPr lang="en-US" dirty="0" err="1">
-                <a:latin typeface="Courier New" panose="02070309020205020404" pitchFamily="49" charset="0"/>
+              <a:t>rdd.reduce() </a:t>
+            </a:r>
+            <a:r>
+              <a:rPr lang="en-US" dirty="0">
+                <a:latin typeface="+mn-lt"/>
                 <a:cs typeface="Courier New" panose="02070309020205020404" pitchFamily="49" charset="0"/>
               </a:rPr>
-              <a:t>rdd.join</a:t>
-            </a:r>
+              <a:t>–</a:t>
+            </a:r>
+            <a:r>
+              <a:rPr lang="en-US" dirty="0">
+                <a:latin typeface="+mn-lt"/>
+              </a:rPr>
+              <a:t> </a:t>
+            </a:r>
+            <a:r>
+              <a:rPr lang="en-US" dirty="0"/>
+              <a:t>runs a function on items for a key to return an aggregated value</a:t>
+            </a:r>
+          </a:p>
+          <a:p>
+            <a:pPr lvl="2"/>
             <a:r>
               <a:rPr lang="en-US" dirty="0">
                 <a:latin typeface="Courier New" panose="02070309020205020404" pitchFamily="49" charset="0"/>
                 <a:cs typeface="Courier New" panose="02070309020205020404" pitchFamily="49" charset="0"/>
               </a:rPr>
-              <a:t>() –</a:t>
-            </a:r>
-            <a:r>
-              <a:rPr lang="en-US" dirty="0"/>
-              <a:t> matches elements in one RDD to another</a:t>
+              <a:t>rdd.join() </a:t>
+            </a:r>
+            <a:r>
+              <a:rPr lang="en-US" dirty="0">
+                <a:latin typeface="+mn-lt"/>
+                <a:cs typeface="Courier New" panose="02070309020205020404" pitchFamily="49" charset="0"/>
+              </a:rPr>
+              <a:t>–</a:t>
+            </a:r>
+            <a:r>
+              <a:rPr lang="en-US" dirty="0">
+                <a:latin typeface="+mn-lt"/>
+              </a:rPr>
+              <a:t> </a:t>
+            </a:r>
+            <a:r>
+              <a:rPr lang="en-US" dirty="0"/>
+              <a:t>matches elements in one RDD to another</a:t>
             </a:r>
           </a:p>
           <a:p>
@@ -11604,29 +11154,13 @@
       </p:grpSpPr>
       <p:sp>
         <p:nvSpPr>
-          <p:cNvPr id="2" name="Title 1"/>
-          <p:cNvSpPr>
-            <a:spLocks noGrp="1"/>
-          </p:cNvSpPr>
-          <p:nvPr>
-            <p:ph type="title"/>
-          </p:nvPr>
-        </p:nvSpPr>
-        <p:spPr/>
-        <p:txBody>
-          <a:bodyPr/>
-          <a:lstStyle/>
-          <a:p>
-            <a:r>
-              <a:rPr lang="en-US" dirty="0"/>
-              <a:t>Lambda</a:t>
-            </a:r>
-          </a:p>
-        </p:txBody>
-      </p:sp>
-      <p:sp>
-        <p:nvSpPr>
-          <p:cNvPr id="3" name="Content Placeholder 2"/>
+          <p:cNvPr id="5" name="Content Placeholder 4">
+            <a:extLst>
+              <a:ext uri="{FF2B5EF4-FFF2-40B4-BE49-F238E27FC236}">
+                <a16:creationId xmlns:a16="http://schemas.microsoft.com/office/drawing/2014/main" id="{2D70B215-4C26-49BB-8FE4-7D1CDCD1728C}"/>
+              </a:ext>
+            </a:extLst>
+          </p:cNvPr>
           <p:cNvSpPr>
             <a:spLocks noGrp="1"/>
           </p:cNvSpPr>
@@ -11636,8 +11170,8 @@
         </p:nvSpPr>
         <p:spPr>
           <a:xfrm>
-            <a:off x="392911" y="917557"/>
-            <a:ext cx="8590667" cy="4986911"/>
+            <a:off x="581025" y="1155614"/>
+            <a:ext cx="8458472" cy="5072616"/>
           </a:xfrm>
         </p:spPr>
         <p:txBody>
@@ -11676,21 +11210,7 @@
                 <a:latin typeface="Courier New" panose="02070309020205020404" pitchFamily="49" charset="0"/>
                 <a:cs typeface="Courier New" panose="02070309020205020404" pitchFamily="49" charset="0"/>
               </a:rPr>
-              <a:t>  def </a:t>
-            </a:r>
-            <a:r>
-              <a:rPr lang="en-US" dirty="0" err="1">
-                <a:latin typeface="Courier New" panose="02070309020205020404" pitchFamily="49" charset="0"/>
-                <a:cs typeface="Courier New" panose="02070309020205020404" pitchFamily="49" charset="0"/>
-              </a:rPr>
-              <a:t>isEven</a:t>
-            </a:r>
-            <a:r>
-              <a:rPr lang="en-US" dirty="0">
-                <a:latin typeface="Courier New" panose="02070309020205020404" pitchFamily="49" charset="0"/>
-                <a:cs typeface="Courier New" panose="02070309020205020404" pitchFamily="49" charset="0"/>
-              </a:rPr>
-              <a:t>(x):</a:t>
+              <a:t>  def isEven(x):</a:t>
             </a:r>
             <a:br>
               <a:rPr lang="en-US" dirty="0">
@@ -11716,61 +11236,19 @@
                 <a:latin typeface="Courier New" panose="02070309020205020404" pitchFamily="49" charset="0"/>
                 <a:cs typeface="Courier New" panose="02070309020205020404" pitchFamily="49" charset="0"/>
               </a:rPr>
-              <a:t>  </a:t>
-            </a:r>
-            <a:r>
-              <a:rPr lang="en-US" dirty="0" err="1">
-                <a:latin typeface="Courier New" panose="02070309020205020404" pitchFamily="49" charset="0"/>
-                <a:cs typeface="Courier New" panose="02070309020205020404" pitchFamily="49" charset="0"/>
-              </a:rPr>
-              <a:t>isEven</a:t>
-            </a:r>
+              <a:t>  isEven = lambda x : x % 2</a:t>
+            </a:r>
+          </a:p>
+          <a:p>
+            <a:pPr marL="0" indent="0">
+              <a:buNone/>
+            </a:pPr>
             <a:r>
               <a:rPr lang="en-US" dirty="0">
                 <a:latin typeface="Courier New" panose="02070309020205020404" pitchFamily="49" charset="0"/>
                 <a:cs typeface="Courier New" panose="02070309020205020404" pitchFamily="49" charset="0"/>
               </a:rPr>
-              <a:t> = lambda x : x % 2</a:t>
-            </a:r>
-          </a:p>
-          <a:p>
-            <a:pPr marL="0" indent="0">
-              <a:buNone/>
-            </a:pPr>
-            <a:r>
-              <a:rPr lang="en-US" dirty="0">
-                <a:latin typeface="Courier New" panose="02070309020205020404" pitchFamily="49" charset="0"/>
-                <a:cs typeface="Courier New" panose="02070309020205020404" pitchFamily="49" charset="0"/>
-              </a:rPr>
-              <a:t>  </a:t>
-            </a:r>
-            <a:r>
-              <a:rPr lang="en-US" dirty="0" err="1">
-                <a:latin typeface="Courier New" panose="02070309020205020404" pitchFamily="49" charset="0"/>
-                <a:cs typeface="Courier New" panose="02070309020205020404" pitchFamily="49" charset="0"/>
-              </a:rPr>
-              <a:t>rdd.filter</a:t>
-            </a:r>
-            <a:r>
-              <a:rPr lang="en-US" dirty="0">
-                <a:latin typeface="Courier New" panose="02070309020205020404" pitchFamily="49" charset="0"/>
-                <a:cs typeface="Courier New" panose="02070309020205020404" pitchFamily="49" charset="0"/>
-              </a:rPr>
-              <a:t>(</a:t>
-            </a:r>
-            <a:r>
-              <a:rPr lang="en-US" dirty="0" err="1">
-                <a:latin typeface="Courier New" panose="02070309020205020404" pitchFamily="49" charset="0"/>
-                <a:cs typeface="Courier New" panose="02070309020205020404" pitchFamily="49" charset="0"/>
-              </a:rPr>
-              <a:t>isEven</a:t>
-            </a:r>
-            <a:r>
-              <a:rPr lang="en-US" dirty="0">
-                <a:latin typeface="Courier New" panose="02070309020205020404" pitchFamily="49" charset="0"/>
-                <a:cs typeface="Courier New" panose="02070309020205020404" pitchFamily="49" charset="0"/>
-              </a:rPr>
-              <a:t>)</a:t>
+              <a:t>  rdd.filter(isEven)</a:t>
             </a:r>
             <a:br>
               <a:rPr lang="en-US" dirty="0">
@@ -11783,21 +11261,7 @@
                 <a:latin typeface="Courier New" panose="02070309020205020404" pitchFamily="49" charset="0"/>
                 <a:cs typeface="Courier New" panose="02070309020205020404" pitchFamily="49" charset="0"/>
               </a:rPr>
-              <a:t>  </a:t>
-            </a:r>
-            <a:r>
-              <a:rPr lang="en-US" dirty="0" err="1">
-                <a:latin typeface="Courier New" panose="02070309020205020404" pitchFamily="49" charset="0"/>
-                <a:cs typeface="Courier New" panose="02070309020205020404" pitchFamily="49" charset="0"/>
-              </a:rPr>
-              <a:t>rdd.filter</a:t>
-            </a:r>
-            <a:r>
-              <a:rPr lang="en-US" dirty="0">
-                <a:latin typeface="Courier New" panose="02070309020205020404" pitchFamily="49" charset="0"/>
-                <a:cs typeface="Courier New" panose="02070309020205020404" pitchFamily="49" charset="0"/>
-              </a:rPr>
-              <a:t>(lambda x: x % 2)</a:t>
+              <a:t>  rdd.filter(lambda x: x % 2)</a:t>
             </a:r>
             <a:br>
               <a:rPr lang="en-US" dirty="0">
@@ -11810,35 +11274,32 @@
                 <a:latin typeface="Courier New" panose="02070309020205020404" pitchFamily="49" charset="0"/>
                 <a:cs typeface="Courier New" panose="02070309020205020404" pitchFamily="49" charset="0"/>
               </a:rPr>
-              <a:t>  </a:t>
-            </a:r>
-            <a:r>
-              <a:rPr lang="en-US" dirty="0" err="1">
-                <a:latin typeface="Courier New" panose="02070309020205020404" pitchFamily="49" charset="0"/>
-                <a:cs typeface="Courier New" panose="02070309020205020404" pitchFamily="49" charset="0"/>
-              </a:rPr>
-              <a:t>sc.parallelize</a:t>
-            </a:r>
-            <a:r>
-              <a:rPr lang="en-US" dirty="0">
-                <a:latin typeface="Courier New" panose="02070309020205020404" pitchFamily="49" charset="0"/>
-                <a:cs typeface="Courier New" panose="02070309020205020404" pitchFamily="49" charset="0"/>
-              </a:rPr>
-              <a:t>(range(1, 11)).</a:t>
-            </a:r>
-            <a:r>
-              <a:rPr lang="en-US" dirty="0" err="1">
-                <a:latin typeface="Courier New" panose="02070309020205020404" pitchFamily="49" charset="0"/>
-                <a:cs typeface="Courier New" panose="02070309020205020404" pitchFamily="49" charset="0"/>
-              </a:rPr>
-              <a:t>sortBy</a:t>
-            </a:r>
-            <a:r>
-              <a:rPr lang="en-US" dirty="0">
-                <a:latin typeface="Courier New" panose="02070309020205020404" pitchFamily="49" charset="0"/>
-                <a:cs typeface="Courier New" panose="02070309020205020404" pitchFamily="49" charset="0"/>
-              </a:rPr>
-              <a:t>(lambda x : (x % 2, x))</a:t>
+              <a:t>  sc.parallelize(range(1, 11)).sortBy(lambda x : (x % 2, x))</a:t>
+            </a:r>
+          </a:p>
+          <a:p>
+            <a:endParaRPr lang="en-US" dirty="0"/>
+          </a:p>
+        </p:txBody>
+      </p:sp>
+      <p:sp>
+        <p:nvSpPr>
+          <p:cNvPr id="2" name="Title 1"/>
+          <p:cNvSpPr>
+            <a:spLocks noGrp="1"/>
+          </p:cNvSpPr>
+          <p:nvPr>
+            <p:ph type="title"/>
+          </p:nvPr>
+        </p:nvSpPr>
+        <p:spPr/>
+        <p:txBody>
+          <a:bodyPr/>
+          <a:lstStyle/>
+          <a:p>
+            <a:r>
+              <a:rPr lang="en-US" dirty="0"/>
+              <a:t>Lambda</a:t>
             </a:r>
           </a:p>
         </p:txBody>
@@ -11896,7 +11357,10 @@
               <a:t>The </a:t>
             </a:r>
             <a:r>
-              <a:rPr lang="en-US" dirty="0" err="1"/>
+              <a:rPr lang="en-US" dirty="0">
+                <a:latin typeface="Courier New" panose="02070309020205020404" pitchFamily="49" charset="0"/>
+                <a:cs typeface="Courier New" panose="02070309020205020404" pitchFamily="49" charset="0"/>
+              </a:rPr>
               <a:t>creditcard.csv</a:t>
             </a:r>
             <a:r>
@@ -11919,29 +11383,21 @@
           <a:p>
             <a:r>
               <a:rPr lang="en-US" dirty="0"/>
-              <a:t>Parse the file into a tuple or </a:t>
-            </a:r>
-            <a:r>
-              <a:rPr lang="en-US" dirty="0" err="1"/>
-              <a:t>namedtuple</a:t>
-            </a:r>
-            <a:r>
-              <a:rPr lang="en-US" dirty="0"/>
-              <a:t> or dictionary</a:t>
+              <a:t>Parse the file into a tuple or namedtuple or dictionary</a:t>
             </a:r>
           </a:p>
           <a:p>
             <a:pPr lvl="1"/>
             <a:r>
               <a:rPr lang="en-US" dirty="0"/>
-              <a:t>make sure to convert columns to the right data types</a:t>
+              <a:t>Make sure to convert columns to the right data types</a:t>
             </a:r>
           </a:p>
           <a:p>
             <a:pPr lvl="1"/>
             <a:r>
               <a:rPr lang="en-US" dirty="0"/>
-              <a:t>you can ignore any columns you don't need for the solution</a:t>
+              <a:t>You can ignore any columns you don’t need for the solution</a:t>
             </a:r>
           </a:p>
           <a:p>
@@ -12033,31 +11489,31 @@
             </a:pPr>
             <a:r>
               <a:rPr lang="en-US" dirty="0"/>
-              <a:t>In this chapter, we will look into:</a:t>
-            </a:r>
-          </a:p>
-          <a:p>
-            <a:r>
-              <a:rPr lang="en-US" dirty="0"/>
-              <a:t>The history of Apache Spark</a:t>
-            </a:r>
-          </a:p>
-          <a:p>
-            <a:r>
-              <a:rPr lang="en-US" dirty="0"/>
-              <a:t>Architecture and components of Apache Spark</a:t>
-            </a:r>
-          </a:p>
-          <a:p>
-            <a:r>
-              <a:rPr lang="en-US" dirty="0"/>
-              <a:t>Load files into RDD</a:t>
-            </a:r>
-          </a:p>
-          <a:p>
-            <a:r>
-              <a:rPr lang="en-US" dirty="0"/>
-              <a:t>Process RDD using actions and transformation</a:t>
+              <a:t>In this chapter, we have:</a:t>
+            </a:r>
+          </a:p>
+          <a:p>
+            <a:r>
+              <a:rPr lang="en-US" dirty="0"/>
+              <a:t>Reviewed the history of Apache Spark</a:t>
+            </a:r>
+          </a:p>
+          <a:p>
+            <a:r>
+              <a:rPr lang="en-US" dirty="0"/>
+              <a:t>Looked at the architecture and components of Apache Spark</a:t>
+            </a:r>
+          </a:p>
+          <a:p>
+            <a:r>
+              <a:rPr lang="en-US" dirty="0"/>
+              <a:t>Loaded files into RDD</a:t>
+            </a:r>
+          </a:p>
+          <a:p>
+            <a:r>
+              <a:rPr lang="en-US" dirty="0"/>
+              <a:t>Processed RDD using actions and transformation</a:t>
             </a:r>
           </a:p>
           <a:p>
@@ -12082,7 +11538,7 @@
           <a:p>
             <a:r>
               <a:rPr lang="en-US" dirty="0"/>
-              <a:t>Chapter Objectives</a:t>
+              <a:t>Chapter Summary</a:t>
             </a:r>
           </a:p>
         </p:txBody>
@@ -12186,7 +11642,7 @@
             <a:pPr lvl="1"/>
             <a:r>
               <a:rPr lang="en-US" dirty="0"/>
-              <a:t>Apache Spark™ has seen immense growth over the past several years </a:t>
+              <a:t>Apache Spark has seen immense growth over the past several years </a:t>
             </a:r>
           </a:p>
           <a:p>
@@ -12213,14 +11669,14 @@
             <a:pPr lvl="1"/>
             <a:r>
               <a:rPr lang="en-US" dirty="0"/>
-              <a:t>Supports Hive Query Language (HQL)</a:t>
+              <a:t>Support Hive Query Language (HQL)</a:t>
             </a:r>
           </a:p>
           <a:p>
             <a:pPr lvl="1"/>
             <a:r>
               <a:rPr lang="en-US" dirty="0"/>
-              <a:t>Interact with it via a command line shell</a:t>
+              <a:t>Interact with it via a command-line shell</a:t>
             </a:r>
           </a:p>
           <a:p>
@@ -12320,7 +11776,19 @@
           <a:p>
             <a:r>
               <a:rPr lang="en-US" dirty="0"/>
-              <a:t>Apache Spark is supported in Zeppelin with Spark Interpreter group and will be one of the ways we will be using Apache Spark in this course</a:t>
+              <a:t>Apache Spark is supported in </a:t>
+            </a:r>
+            <a:r>
+              <a:rPr lang="en-US" dirty="0">
+                <a:highlight>
+                  <a:srgbClr val="FFFF00"/>
+                </a:highlight>
+              </a:rPr>
+              <a:t>Zeppelin</a:t>
+            </a:r>
+            <a:r>
+              <a:rPr lang="en-US" dirty="0"/>
+              <a:t> with Spark Interpreter group and will be one of the ways we will be using Apache Spark in this course</a:t>
             </a:r>
           </a:p>
           <a:p>
@@ -14362,6 +13830,15 @@
 
 <file path=customXml/item1.xml><?xml version="1.0" encoding="utf-8"?>
 <?mso-contentType ?>
+<FormTemplates xmlns="http://schemas.microsoft.com/sharepoint/v3/contenttype/forms">
+  <Display>DocumentLibraryForm</Display>
+  <Edit>DocumentLibraryForm</Edit>
+  <New>DocumentLibraryForm</New>
+</FormTemplates>
+</file>
+
+<file path=customXml/item2.xml><?xml version="1.0" encoding="utf-8"?>
+<?mso-contentType ?>
 <spe:Receivers xmlns:spe="http://schemas.microsoft.com/sharepoint/events">
   <Receiver>
     <Name>Document ID Generator</Name>
@@ -14406,30 +13883,7 @@
 </spe:Receivers>
 </file>
 
-<file path=customXml/item2.xml><?xml version="1.0" encoding="utf-8"?>
-<?mso-contentType ?>
-<FormTemplates xmlns="http://schemas.microsoft.com/sharepoint/v3/contenttype/forms">
-  <Display>DocumentLibraryForm</Display>
-  <Edit>DocumentLibraryForm</Edit>
-  <New>DocumentLibraryForm</New>
-</FormTemplates>
-</file>
-
 <file path=customXml/item3.xml><?xml version="1.0" encoding="utf-8"?>
-<p:properties xmlns:p="http://schemas.microsoft.com/office/2006/metadata/properties" xmlns:xsi="http://www.w3.org/2001/XMLSchema-instance" xmlns:pc="http://schemas.microsoft.com/office/infopath/2007/PartnerControls">
-  <documentManagement>
-    <_dlc_DocId xmlns="037063e9-a85e-4c78-8627-f1a9315663e5">EVEA5JW6U4JV-6-9770</_dlc_DocId>
-    <_dlc_DocIdUrl xmlns="037063e9-a85e-4c78-8627-f1a9315663e5">
-      <Url>https://portal.roitraining.com/Courses/_layouts/DocIdRedir.aspx?ID=EVEA5JW6U4JV-6-9770</Url>
-      <Description>EVEA5JW6U4JV-6-9770</Description>
-    </_dlc_DocIdUrl>
-    <Date_x0020_last_x0020_used xmlns="027ed24f-5970-4294-be5c-0919c5aaa214" xsi:nil="true"/>
-    <Customization_x0020_Information xmlns="027ed24f-5970-4294-be5c-0919c5aaa214" xsi:nil="true"/>
-  </documentManagement>
-</p:properties>
-</file>
-
-<file path=customXml/item4.xml><?xml version="1.0" encoding="utf-8"?>
 <ct:contentTypeSchema xmlns:ct="http://schemas.microsoft.com/office/2006/metadata/contentType" xmlns:ma="http://schemas.microsoft.com/office/2006/metadata/properties/metaAttributes" ct:_="" ma:_="" ma:contentTypeName="Document" ma:contentTypeID="0x0101006B08A054FD435346B287BB258D6D8C2A" ma:contentTypeVersion="2" ma:contentTypeDescription="Create a new document." ma:contentTypeScope="" ma:versionID="6146b90b4382322d8952632f355192b7">
   <xsd:schema xmlns:xsd="http://www.w3.org/2001/XMLSchema" xmlns:xs="http://www.w3.org/2001/XMLSchema" xmlns:p="http://schemas.microsoft.com/office/2006/metadata/properties" xmlns:ns2="027ed24f-5970-4294-be5c-0919c5aaa214" xmlns:ns3="037063e9-a85e-4c78-8627-f1a9315663e5" targetNamespace="http://schemas.microsoft.com/office/2006/metadata/properties" ma:root="true" ma:fieldsID="b5d91f802dafd2e22aeea528efbe2d3e" ns2:_="" ns3:_="">
     <xsd:import namespace="027ed24f-5970-4294-be5c-0919c5aaa214"/>
@@ -14595,7 +14049,29 @@
 </ct:contentTypeSchema>
 </file>
 
+<file path=customXml/item4.xml><?xml version="1.0" encoding="utf-8"?>
+<p:properties xmlns:p="http://schemas.microsoft.com/office/2006/metadata/properties" xmlns:xsi="http://www.w3.org/2001/XMLSchema-instance" xmlns:pc="http://schemas.microsoft.com/office/infopath/2007/PartnerControls">
+  <documentManagement>
+    <_dlc_DocId xmlns="037063e9-a85e-4c78-8627-f1a9315663e5">EVEA5JW6U4JV-6-9770</_dlc_DocId>
+    <_dlc_DocIdUrl xmlns="037063e9-a85e-4c78-8627-f1a9315663e5">
+      <Url>https://portal.roitraining.com/Courses/_layouts/DocIdRedir.aspx?ID=EVEA5JW6U4JV-6-9770</Url>
+      <Description>EVEA5JW6U4JV-6-9770</Description>
+    </_dlc_DocIdUrl>
+    <Date_x0020_last_x0020_used xmlns="027ed24f-5970-4294-be5c-0919c5aaa214" xsi:nil="true"/>
+    <Customization_x0020_Information xmlns="027ed24f-5970-4294-be5c-0919c5aaa214" xsi:nil="true"/>
+  </documentManagement>
+</p:properties>
+</file>
+
 <file path=customXml/itemProps1.xml><?xml version="1.0" encoding="utf-8"?>
+<ds:datastoreItem xmlns:ds="http://schemas.openxmlformats.org/officeDocument/2006/customXml" ds:itemID="{2DA015F3-603C-4688-A5F3-81D587DAB8C9}">
+  <ds:schemaRefs>
+    <ds:schemaRef ds:uri="http://schemas.microsoft.com/sharepoint/v3/contenttype/forms"/>
+  </ds:schemaRefs>
+</ds:datastoreItem>
+</file>
+
+<file path=customXml/itemProps2.xml><?xml version="1.0" encoding="utf-8"?>
 <ds:datastoreItem xmlns:ds="http://schemas.openxmlformats.org/officeDocument/2006/customXml" ds:itemID="{B9043294-8302-4947-B882-02D6486F929C}">
   <ds:schemaRefs>
     <ds:schemaRef ds:uri="http://schemas.microsoft.com/sharepoint/events"/>
@@ -14603,26 +14079,7 @@
 </ds:datastoreItem>
 </file>
 
-<file path=customXml/itemProps2.xml><?xml version="1.0" encoding="utf-8"?>
-<ds:datastoreItem xmlns:ds="http://schemas.openxmlformats.org/officeDocument/2006/customXml" ds:itemID="{2DA015F3-603C-4688-A5F3-81D587DAB8C9}">
-  <ds:schemaRefs>
-    <ds:schemaRef ds:uri="http://schemas.microsoft.com/sharepoint/v3/contenttype/forms"/>
-  </ds:schemaRefs>
-</ds:datastoreItem>
-</file>
-
 <file path=customXml/itemProps3.xml><?xml version="1.0" encoding="utf-8"?>
-<ds:datastoreItem xmlns:ds="http://schemas.openxmlformats.org/officeDocument/2006/customXml" ds:itemID="{F47B9207-CE5C-49AD-B414-15CBFA246D65}">
-  <ds:schemaRefs>
-    <ds:schemaRef ds:uri="http://schemas.microsoft.com/office/2006/metadata/properties"/>
-    <ds:schemaRef ds:uri="http://schemas.microsoft.com/office/infopath/2007/PartnerControls"/>
-    <ds:schemaRef ds:uri="037063e9-a85e-4c78-8627-f1a9315663e5"/>
-    <ds:schemaRef ds:uri="027ed24f-5970-4294-be5c-0919c5aaa214"/>
-  </ds:schemaRefs>
-</ds:datastoreItem>
-</file>
-
-<file path=customXml/itemProps4.xml><?xml version="1.0" encoding="utf-8"?>
 <ds:datastoreItem xmlns:ds="http://schemas.openxmlformats.org/officeDocument/2006/customXml" ds:itemID="{B8E0886B-5092-4138-9EEE-28D3BFD5A483}">
   <ds:schemaRefs>
     <ds:schemaRef ds:uri="http://schemas.microsoft.com/office/2006/metadata/contentType"/>
@@ -14639,4 +14096,15 @@
     <ds:schemaRef ds:uri="http://schemas.microsoft.com/internal/obd"/>
   </ds:schemaRefs>
 </ds:datastoreItem>
+</file>
+
+<file path=customXml/itemProps4.xml><?xml version="1.0" encoding="utf-8"?>
+<ds:datastoreItem xmlns:ds="http://schemas.openxmlformats.org/officeDocument/2006/customXml" ds:itemID="{F47B9207-CE5C-49AD-B414-15CBFA246D65}">
+  <ds:schemaRefs>
+    <ds:schemaRef ds:uri="http://schemas.microsoft.com/office/2006/metadata/properties"/>
+    <ds:schemaRef ds:uri="http://schemas.microsoft.com/office/infopath/2007/PartnerControls"/>
+    <ds:schemaRef ds:uri="037063e9-a85e-4c78-8627-f1a9315663e5"/>
+    <ds:schemaRef ds:uri="027ed24f-5970-4294-be5c-0919c5aaa214"/>
+  </ds:schemaRefs>
+</ds:datastoreItem>
 </file>
--- a/Day1/Ch02 Intro to Spark.pptx
+++ b/Day1/Ch02 Intro to Spark.pptx
@@ -11771,24 +11771,6 @@
             <a:r>
               <a:rPr lang="en-US" dirty="0"/>
               <a:t> provides high-level APIs in Java, Scala, Python, and R and has an optimized engine that supports general execution graphs </a:t>
-            </a:r>
-          </a:p>
-          <a:p>
-            <a:r>
-              <a:rPr lang="en-US" dirty="0"/>
-              <a:t>Apache Spark is supported in </a:t>
-            </a:r>
-            <a:r>
-              <a:rPr lang="en-US" dirty="0">
-                <a:highlight>
-                  <a:srgbClr val="FFFF00"/>
-                </a:highlight>
-              </a:rPr>
-              <a:t>Zeppelin</a:t>
-            </a:r>
-            <a:r>
-              <a:rPr lang="en-US" dirty="0"/>
-              <a:t> with Spark Interpreter group and will be one of the ways we will be using Apache Spark in this course</a:t>
             </a:r>
           </a:p>
           <a:p>
@@ -13838,49 +13820,17 @@
 </file>
 
 <file path=customXml/item2.xml><?xml version="1.0" encoding="utf-8"?>
-<?mso-contentType ?>
-<spe:Receivers xmlns:spe="http://schemas.microsoft.com/sharepoint/events">
-  <Receiver>
-    <Name>Document ID Generator</Name>
-    <Synchronization>Synchronous</Synchronization>
-    <Type>10001</Type>
-    <SequenceNumber>1000</SequenceNumber>
-    <Assembly>Microsoft.Office.DocumentManagement, Version=14.0.0.0, Culture=neutral, PublicKeyToken=71e9bce111e9429c</Assembly>
-    <Class>Microsoft.Office.DocumentManagement.Internal.DocIdHandler</Class>
-    <Data/>
-    <Filter/>
-  </Receiver>
-  <Receiver>
-    <Name>Document ID Generator</Name>
-    <Synchronization>Synchronous</Synchronization>
-    <Type>10002</Type>
-    <SequenceNumber>1001</SequenceNumber>
-    <Assembly>Microsoft.Office.DocumentManagement, Version=14.0.0.0, Culture=neutral, PublicKeyToken=71e9bce111e9429c</Assembly>
-    <Class>Microsoft.Office.DocumentManagement.Internal.DocIdHandler</Class>
-    <Data/>
-    <Filter/>
-  </Receiver>
-  <Receiver>
-    <Name>Document ID Generator</Name>
-    <Synchronization>Synchronous</Synchronization>
-    <Type>10004</Type>
-    <SequenceNumber>1002</SequenceNumber>
-    <Assembly>Microsoft.Office.DocumentManagement, Version=14.0.0.0, Culture=neutral, PublicKeyToken=71e9bce111e9429c</Assembly>
-    <Class>Microsoft.Office.DocumentManagement.Internal.DocIdHandler</Class>
-    <Data/>
-    <Filter/>
-  </Receiver>
-  <Receiver>
-    <Name>Document ID Generator</Name>
-    <Synchronization>Synchronous</Synchronization>
-    <Type>10006</Type>
-    <SequenceNumber>1003</SequenceNumber>
-    <Assembly>Microsoft.Office.DocumentManagement, Version=14.0.0.0, Culture=neutral, PublicKeyToken=71e9bce111e9429c</Assembly>
-    <Class>Microsoft.Office.DocumentManagement.Internal.DocIdHandler</Class>
-    <Data/>
-    <Filter/>
-  </Receiver>
-</spe:Receivers>
+<p:properties xmlns:p="http://schemas.microsoft.com/office/2006/metadata/properties" xmlns:xsi="http://www.w3.org/2001/XMLSchema-instance" xmlns:pc="http://schemas.microsoft.com/office/infopath/2007/PartnerControls">
+  <documentManagement>
+    <_dlc_DocId xmlns="037063e9-a85e-4c78-8627-f1a9315663e5">EVEA5JW6U4JV-6-9770</_dlc_DocId>
+    <_dlc_DocIdUrl xmlns="037063e9-a85e-4c78-8627-f1a9315663e5">
+      <Url>https://portal.roitraining.com/Courses/_layouts/DocIdRedir.aspx?ID=EVEA5JW6U4JV-6-9770</Url>
+      <Description>EVEA5JW6U4JV-6-9770</Description>
+    </_dlc_DocIdUrl>
+    <Date_x0020_last_x0020_used xmlns="027ed24f-5970-4294-be5c-0919c5aaa214" xsi:nil="true"/>
+    <Customization_x0020_Information xmlns="027ed24f-5970-4294-be5c-0919c5aaa214" xsi:nil="true"/>
+  </documentManagement>
+</p:properties>
 </file>
 
 <file path=customXml/item3.xml><?xml version="1.0" encoding="utf-8"?>
@@ -14050,17 +14000,49 @@
 </file>
 
 <file path=customXml/item4.xml><?xml version="1.0" encoding="utf-8"?>
-<p:properties xmlns:p="http://schemas.microsoft.com/office/2006/metadata/properties" xmlns:xsi="http://www.w3.org/2001/XMLSchema-instance" xmlns:pc="http://schemas.microsoft.com/office/infopath/2007/PartnerControls">
-  <documentManagement>
-    <_dlc_DocId xmlns="037063e9-a85e-4c78-8627-f1a9315663e5">EVEA5JW6U4JV-6-9770</_dlc_DocId>
-    <_dlc_DocIdUrl xmlns="037063e9-a85e-4c78-8627-f1a9315663e5">
-      <Url>https://portal.roitraining.com/Courses/_layouts/DocIdRedir.aspx?ID=EVEA5JW6U4JV-6-9770</Url>
-      <Description>EVEA5JW6U4JV-6-9770</Description>
-    </_dlc_DocIdUrl>
-    <Date_x0020_last_x0020_used xmlns="027ed24f-5970-4294-be5c-0919c5aaa214" xsi:nil="true"/>
-    <Customization_x0020_Information xmlns="027ed24f-5970-4294-be5c-0919c5aaa214" xsi:nil="true"/>
-  </documentManagement>
-</p:properties>
+<?mso-contentType ?>
+<spe:Receivers xmlns:spe="http://schemas.microsoft.com/sharepoint/events">
+  <Receiver>
+    <Name>Document ID Generator</Name>
+    <Synchronization>Synchronous</Synchronization>
+    <Type>10001</Type>
+    <SequenceNumber>1000</SequenceNumber>
+    <Assembly>Microsoft.Office.DocumentManagement, Version=14.0.0.0, Culture=neutral, PublicKeyToken=71e9bce111e9429c</Assembly>
+    <Class>Microsoft.Office.DocumentManagement.Internal.DocIdHandler</Class>
+    <Data/>
+    <Filter/>
+  </Receiver>
+  <Receiver>
+    <Name>Document ID Generator</Name>
+    <Synchronization>Synchronous</Synchronization>
+    <Type>10002</Type>
+    <SequenceNumber>1001</SequenceNumber>
+    <Assembly>Microsoft.Office.DocumentManagement, Version=14.0.0.0, Culture=neutral, PublicKeyToken=71e9bce111e9429c</Assembly>
+    <Class>Microsoft.Office.DocumentManagement.Internal.DocIdHandler</Class>
+    <Data/>
+    <Filter/>
+  </Receiver>
+  <Receiver>
+    <Name>Document ID Generator</Name>
+    <Synchronization>Synchronous</Synchronization>
+    <Type>10004</Type>
+    <SequenceNumber>1002</SequenceNumber>
+    <Assembly>Microsoft.Office.DocumentManagement, Version=14.0.0.0, Culture=neutral, PublicKeyToken=71e9bce111e9429c</Assembly>
+    <Class>Microsoft.Office.DocumentManagement.Internal.DocIdHandler</Class>
+    <Data/>
+    <Filter/>
+  </Receiver>
+  <Receiver>
+    <Name>Document ID Generator</Name>
+    <Synchronization>Synchronous</Synchronization>
+    <Type>10006</Type>
+    <SequenceNumber>1003</SequenceNumber>
+    <Assembly>Microsoft.Office.DocumentManagement, Version=14.0.0.0, Culture=neutral, PublicKeyToken=71e9bce111e9429c</Assembly>
+    <Class>Microsoft.Office.DocumentManagement.Internal.DocIdHandler</Class>
+    <Data/>
+    <Filter/>
+  </Receiver>
+</spe:Receivers>
 </file>
 
 <file path=customXml/itemProps1.xml><?xml version="1.0" encoding="utf-8"?>
@@ -14072,9 +14054,12 @@
 </file>
 
 <file path=customXml/itemProps2.xml><?xml version="1.0" encoding="utf-8"?>
-<ds:datastoreItem xmlns:ds="http://schemas.openxmlformats.org/officeDocument/2006/customXml" ds:itemID="{B9043294-8302-4947-B882-02D6486F929C}">
+<ds:datastoreItem xmlns:ds="http://schemas.openxmlformats.org/officeDocument/2006/customXml" ds:itemID="{F47B9207-CE5C-49AD-B414-15CBFA246D65}">
   <ds:schemaRefs>
-    <ds:schemaRef ds:uri="http://schemas.microsoft.com/sharepoint/events"/>
+    <ds:schemaRef ds:uri="http://schemas.microsoft.com/office/2006/metadata/properties"/>
+    <ds:schemaRef ds:uri="http://schemas.microsoft.com/office/infopath/2007/PartnerControls"/>
+    <ds:schemaRef ds:uri="037063e9-a85e-4c78-8627-f1a9315663e5"/>
+    <ds:schemaRef ds:uri="027ed24f-5970-4294-be5c-0919c5aaa214"/>
   </ds:schemaRefs>
 </ds:datastoreItem>
 </file>
@@ -14099,12 +14084,9 @@
 </file>
 
 <file path=customXml/itemProps4.xml><?xml version="1.0" encoding="utf-8"?>
-<ds:datastoreItem xmlns:ds="http://schemas.openxmlformats.org/officeDocument/2006/customXml" ds:itemID="{F47B9207-CE5C-49AD-B414-15CBFA246D65}">
+<ds:datastoreItem xmlns:ds="http://schemas.openxmlformats.org/officeDocument/2006/customXml" ds:itemID="{B9043294-8302-4947-B882-02D6486F929C}">
   <ds:schemaRefs>
-    <ds:schemaRef ds:uri="http://schemas.microsoft.com/office/2006/metadata/properties"/>
-    <ds:schemaRef ds:uri="http://schemas.microsoft.com/office/infopath/2007/PartnerControls"/>
-    <ds:schemaRef ds:uri="037063e9-a85e-4c78-8627-f1a9315663e5"/>
-    <ds:schemaRef ds:uri="027ed24f-5970-4294-be5c-0919c5aaa214"/>
+    <ds:schemaRef ds:uri="http://schemas.microsoft.com/sharepoint/events"/>
   </ds:schemaRefs>
 </ds:datastoreItem>
 </file>